--- a/2_Linux_kernel_config.pptx
+++ b/2_Linux_kernel_config.pptx
@@ -2821,7 +2821,7 @@
         <p:spPr>
           <a:xfrm>
             <a:off x="457200" y="1604520"/>
-            <a:ext cx="8229240" cy="3977280"/>
+            <a:ext cx="8228880" cy="3976920"/>
           </a:xfrm>
           <a:prstGeom prst="rect">
             <a:avLst/>
@@ -2844,12 +2844,12 @@
               <a:buChar char=""/>
             </a:pPr>
             <a:r>
-              <a:rPr b="0" lang="en-IN" sz="3200" spc="-1" strike="noStrike">
+              <a:rPr b="0" lang="en-IN" sz="1800" spc="-1" strike="noStrike">
                 <a:latin typeface="Arial"/>
               </a:rPr>
               <a:t>Click to edit the outline text format</a:t>
             </a:r>
-            <a:endParaRPr b="0" lang="en-IN" sz="3200" spc="-1" strike="noStrike">
+            <a:endParaRPr b="0" lang="en-IN" sz="1800" spc="-1" strike="noStrike">
               <a:latin typeface="Arial"/>
             </a:endParaRPr>
           </a:p>
@@ -2866,12 +2866,12 @@
               <a:buChar char=""/>
             </a:pPr>
             <a:r>
-              <a:rPr b="0" lang="en-IN" sz="2800" spc="-1" strike="noStrike">
+              <a:rPr b="0" lang="en-IN" sz="1800" spc="-1" strike="noStrike">
                 <a:latin typeface="Arial"/>
               </a:rPr>
               <a:t>Second Outline Level</a:t>
             </a:r>
-            <a:endParaRPr b="0" lang="en-IN" sz="2800" spc="-1" strike="noStrike">
+            <a:endParaRPr b="0" lang="en-IN" sz="1800" spc="-1" strike="noStrike">
               <a:latin typeface="Arial"/>
             </a:endParaRPr>
           </a:p>
@@ -2888,12 +2888,12 @@
               <a:buChar char=""/>
             </a:pPr>
             <a:r>
-              <a:rPr b="0" lang="en-IN" sz="2400" spc="-1" strike="noStrike">
+              <a:rPr b="0" lang="en-IN" sz="1800" spc="-1" strike="noStrike">
                 <a:latin typeface="Arial"/>
               </a:rPr>
               <a:t>Third Outline Level</a:t>
             </a:r>
-            <a:endParaRPr b="0" lang="en-IN" sz="2400" spc="-1" strike="noStrike">
+            <a:endParaRPr b="0" lang="en-IN" sz="1800" spc="-1" strike="noStrike">
               <a:latin typeface="Arial"/>
             </a:endParaRPr>
           </a:p>
@@ -2910,12 +2910,12 @@
               <a:buChar char=""/>
             </a:pPr>
             <a:r>
-              <a:rPr b="0" lang="en-IN" sz="2000" spc="-1" strike="noStrike">
+              <a:rPr b="0" lang="en-IN" sz="1800" spc="-1" strike="noStrike">
                 <a:latin typeface="Arial"/>
               </a:rPr>
               <a:t>Fourth Outline Level</a:t>
             </a:r>
-            <a:endParaRPr b="0" lang="en-IN" sz="2000" spc="-1" strike="noStrike">
+            <a:endParaRPr b="0" lang="en-IN" sz="1800" spc="-1" strike="noStrike">
               <a:latin typeface="Arial"/>
             </a:endParaRPr>
           </a:p>
@@ -2932,12 +2932,12 @@
               <a:buChar char=""/>
             </a:pPr>
             <a:r>
-              <a:rPr b="0" lang="en-IN" sz="2000" spc="-1" strike="noStrike">
+              <a:rPr b="0" lang="en-IN" sz="1800" spc="-1" strike="noStrike">
                 <a:latin typeface="Arial"/>
               </a:rPr>
               <a:t>Fifth Outline Level</a:t>
             </a:r>
-            <a:endParaRPr b="0" lang="en-IN" sz="2000" spc="-1" strike="noStrike">
+            <a:endParaRPr b="0" lang="en-IN" sz="1800" spc="-1" strike="noStrike">
               <a:latin typeface="Arial"/>
             </a:endParaRPr>
           </a:p>
@@ -2954,12 +2954,12 @@
               <a:buChar char=""/>
             </a:pPr>
             <a:r>
-              <a:rPr b="0" lang="en-IN" sz="2000" spc="-1" strike="noStrike">
+              <a:rPr b="0" lang="en-IN" sz="1800" spc="-1" strike="noStrike">
                 <a:latin typeface="Arial"/>
               </a:rPr>
               <a:t>Sixth Outline Level</a:t>
             </a:r>
-            <a:endParaRPr b="0" lang="en-IN" sz="2000" spc="-1" strike="noStrike">
+            <a:endParaRPr b="0" lang="en-IN" sz="1800" spc="-1" strike="noStrike">
               <a:latin typeface="Arial"/>
             </a:endParaRPr>
           </a:p>
@@ -2976,12 +2976,12 @@
               <a:buChar char=""/>
             </a:pPr>
             <a:r>
-              <a:rPr b="0" lang="en-IN" sz="2000" spc="-1" strike="noStrike">
+              <a:rPr b="0" lang="en-IN" sz="1800" spc="-1" strike="noStrike">
                 <a:latin typeface="Arial"/>
               </a:rPr>
               <a:t>Seventh Outline Level</a:t>
             </a:r>
-            <a:endParaRPr b="0" lang="en-IN" sz="2000" spc="-1" strike="noStrike">
+            <a:endParaRPr b="0" lang="en-IN" sz="1800" spc="-1" strike="noStrike">
               <a:latin typeface="Arial"/>
             </a:endParaRPr>
           </a:p>
@@ -3297,7 +3297,7 @@
         <p:spPr>
           <a:xfrm>
             <a:off x="0" y="0"/>
-            <a:ext cx="9140400" cy="6841800"/>
+            <a:ext cx="9140040" cy="6841440"/>
           </a:xfrm>
           <a:prstGeom prst="rect">
             <a:avLst/>
@@ -3350,7 +3350,7 @@
         <p:spPr>
           <a:xfrm>
             <a:off x="0" y="0"/>
-            <a:ext cx="9140400" cy="6841800"/>
+            <a:ext cx="9140040" cy="6841440"/>
           </a:xfrm>
           <a:prstGeom prst="rect">
             <a:avLst/>
@@ -3369,7 +3369,7 @@
         <p:spPr>
           <a:xfrm>
             <a:off x="3182400" y="380880"/>
-            <a:ext cx="3092760" cy="712800"/>
+            <a:ext cx="3092400" cy="712440"/>
           </a:xfrm>
           <a:prstGeom prst="rect">
             <a:avLst/>
@@ -3430,7 +3430,7 @@
         <p:spPr>
           <a:xfrm>
             <a:off x="1018080" y="1371600"/>
-            <a:ext cx="7421400" cy="712800"/>
+            <a:ext cx="7421040" cy="712440"/>
           </a:xfrm>
           <a:prstGeom prst="rect">
             <a:avLst/>
@@ -3491,7 +3491,7 @@
         <p:spPr>
           <a:xfrm>
             <a:off x="1870200" y="1866960"/>
-            <a:ext cx="5717520" cy="712800"/>
+            <a:ext cx="5717160" cy="712440"/>
           </a:xfrm>
           <a:prstGeom prst="rect">
             <a:avLst/>
@@ -3552,7 +3552,7 @@
         <p:spPr>
           <a:xfrm>
             <a:off x="881280" y="2235240"/>
-            <a:ext cx="7695360" cy="1482480"/>
+            <a:ext cx="7695000" cy="1482120"/>
           </a:xfrm>
           <a:prstGeom prst="rect">
             <a:avLst/>
@@ -3643,7 +3643,7 @@
         <p:spPr>
           <a:xfrm>
             <a:off x="2056680" y="3225960"/>
-            <a:ext cx="5344560" cy="1482480"/>
+            <a:ext cx="5344200" cy="1482120"/>
           </a:xfrm>
           <a:prstGeom prst="rect">
             <a:avLst/>
@@ -3744,7 +3744,7 @@
         <p:spPr>
           <a:xfrm>
             <a:off x="3786120" y="4330800"/>
-            <a:ext cx="1885680" cy="712800"/>
+            <a:ext cx="1885320" cy="712440"/>
           </a:xfrm>
           <a:prstGeom prst="rect">
             <a:avLst/>
@@ -3805,7 +3805,7 @@
         <p:spPr>
           <a:xfrm>
             <a:off x="3203280" y="4813200"/>
-            <a:ext cx="3508560" cy="712800"/>
+            <a:ext cx="3508200" cy="712440"/>
           </a:xfrm>
           <a:prstGeom prst="rect">
             <a:avLst/>
@@ -3866,7 +3866,7 @@
         <p:spPr>
           <a:xfrm>
             <a:off x="3055320" y="5308560"/>
-            <a:ext cx="3804120" cy="712800"/>
+            <a:ext cx="3803760" cy="712440"/>
           </a:xfrm>
           <a:prstGeom prst="rect">
             <a:avLst/>
@@ -3957,7 +3957,7 @@
         <p:spPr>
           <a:xfrm>
             <a:off x="72000" y="165600"/>
-            <a:ext cx="9069840" cy="6015240"/>
+            <a:ext cx="9069480" cy="6014880"/>
           </a:xfrm>
           <a:prstGeom prst="rect">
             <a:avLst/>
@@ -4509,39 +4509,16 @@
           <a:chExt cx="0" cy="0"/>
         </a:xfrm>
       </p:grpSpPr>
-      <p:pic>
-        <p:nvPicPr>
-          <p:cNvPr id="121" name="Picture 1" descr=""/>
-          <p:cNvPicPr/>
-          <p:nvPr/>
-        </p:nvPicPr>
-        <p:blipFill>
-          <a:blip r:embed="rId1"/>
-          <a:stretch/>
-        </p:blipFill>
-        <p:spPr>
-          <a:xfrm>
-            <a:off x="581760" y="108000"/>
-            <a:ext cx="6873480" cy="4946760"/>
-          </a:xfrm>
-          <a:prstGeom prst="rect">
-            <a:avLst/>
-          </a:prstGeom>
-          <a:ln>
-            <a:noFill/>
-          </a:ln>
-        </p:spPr>
-      </p:pic>
-      <p:sp>
-        <p:nvSpPr>
-          <p:cNvPr id="122" name="CustomShape 1"/>
+      <p:sp>
+        <p:nvSpPr>
+          <p:cNvPr id="121" name="CustomShape 1"/>
           <p:cNvSpPr/>
           <p:nvPr/>
         </p:nvSpPr>
         <p:spPr>
           <a:xfrm>
             <a:off x="3717000" y="355680"/>
-            <a:ext cx="2087280" cy="712800"/>
+            <a:ext cx="2086920" cy="712440"/>
           </a:xfrm>
           <a:prstGeom prst="rect">
             <a:avLst/>
@@ -4595,14 +4572,14 @@
       </p:sp>
       <p:sp>
         <p:nvSpPr>
-          <p:cNvPr id="123" name="CustomShape 2"/>
+          <p:cNvPr id="122" name="CustomShape 2"/>
           <p:cNvSpPr/>
           <p:nvPr/>
         </p:nvSpPr>
         <p:spPr>
           <a:xfrm>
-            <a:off x="951120" y="1092240"/>
-            <a:ext cx="7618680" cy="712800"/>
+            <a:off x="72000" y="792000"/>
+            <a:ext cx="8123760" cy="928440"/>
           </a:xfrm>
           <a:prstGeom prst="rect">
             <a:avLst/>
@@ -4656,34 +4633,24 @@
                 <a:latin typeface="Arial"/>
                 <a:ea typeface="DejaVu Sans"/>
               </a:rPr>
-              <a:t>" command (with no arguments) now automatically</a:t>
+              <a:t>" command (with no arguments) now automatically </a:t>
             </a:r>
             <a:endParaRPr b="0" lang="en-IN" sz="2230" spc="-1" strike="noStrike">
               <a:latin typeface="Arial"/>
             </a:endParaRPr>
           </a:p>
-          <a:p>
-            <a:pPr>
-              <a:lnSpc>
-                <a:spcPts val="975"/>
-              </a:lnSpc>
-            </a:pPr>
-            <a:endParaRPr b="0" lang="en-IN" sz="2230" spc="-1" strike="noStrike">
-              <a:latin typeface="Arial"/>
-            </a:endParaRPr>
-          </a:p>
-        </p:txBody>
-      </p:sp>
-      <p:sp>
-        <p:nvSpPr>
-          <p:cNvPr id="124" name="CustomShape 3"/>
+        </p:txBody>
+      </p:sp>
+      <p:sp>
+        <p:nvSpPr>
+          <p:cNvPr id="123" name="CustomShape 3"/>
           <p:cNvSpPr/>
           <p:nvPr/>
         </p:nvSpPr>
         <p:spPr>
           <a:xfrm>
             <a:off x="444240" y="1447920"/>
-            <a:ext cx="8632440" cy="1447560"/>
+            <a:ext cx="8632080" cy="1447200"/>
           </a:xfrm>
           <a:prstGeom prst="rect">
             <a:avLst/>
@@ -4709,37 +4676,7 @@
                 <a:spcPct val="100000"/>
               </a:lnSpc>
             </a:pPr>
-            <a:r>
-              <a:rPr b="0" lang="en-US" sz="2230" spc="-1" strike="noStrike">
-                <a:solidFill>
-                  <a:srgbClr val="000000"/>
-                </a:solidFill>
-                <a:latin typeface="Arial"/>
-                <a:ea typeface="DejaVu Sans"/>
-              </a:rPr>
-              <a:t>(and silently) generates dependency information, compiles the kernel,</a:t>
-            </a:r>
-            <a:endParaRPr b="0" lang="en-IN" sz="2230" spc="-1" strike="noStrike">
-              <a:latin typeface="Arial"/>
-            </a:endParaRPr>
-          </a:p>
-          <a:p>
-            <a:pPr>
-              <a:lnSpc>
-                <a:spcPct val="100000"/>
-              </a:lnSpc>
-            </a:pPr>
-            <a:r>
-              <a:rPr b="0" lang="en-US" sz="2230" spc="-1" strike="noStrike">
-                <a:solidFill>
-                  <a:srgbClr val="000000"/>
-                </a:solidFill>
-                <a:latin typeface="Arial"/>
-                <a:ea typeface="DejaVu Sans"/>
-              </a:rPr>
-              <a:t>and compiles any drivers that you have selected for installation as</a:t>
-            </a:r>
-            <a:endParaRPr b="0" lang="en-IN" sz="2230" spc="-1" strike="noStrike">
+            <a:endParaRPr b="0" lang="en-IN" sz="1800" spc="-1" strike="noStrike">
               <a:latin typeface="Arial"/>
             </a:endParaRPr>
           </a:p>
@@ -4749,52 +4686,22 @@
                 <a:spcPts val="1006"/>
               </a:lnSpc>
             </a:pPr>
-            <a:endParaRPr b="0" lang="en-IN" sz="2230" spc="-1" strike="noStrike">
-              <a:latin typeface="Arial"/>
-            </a:endParaRPr>
-          </a:p>
-          <a:p>
-            <a:pPr>
-              <a:lnSpc>
-                <a:spcPts val="1006"/>
-              </a:lnSpc>
-            </a:pPr>
-            <a:r>
-              <a:rPr b="0" lang="en-US" sz="2230" spc="-1" strike="noStrike">
-                <a:solidFill>
-                  <a:srgbClr val="000000"/>
-                </a:solidFill>
-                <a:latin typeface="Arial"/>
-                <a:ea typeface="DejaVu Sans"/>
-              </a:rPr>
-              <a:t>modules.</a:t>
-            </a:r>
-            <a:endParaRPr b="0" lang="en-IN" sz="2230" spc="-1" strike="noStrike">
-              <a:latin typeface="Arial"/>
-            </a:endParaRPr>
-          </a:p>
-          <a:p>
-            <a:pPr>
-              <a:lnSpc>
-                <a:spcPts val="1006"/>
-              </a:lnSpc>
-            </a:pPr>
-            <a:endParaRPr b="0" lang="en-IN" sz="2230" spc="-1" strike="noStrike">
-              <a:latin typeface="Arial"/>
-            </a:endParaRPr>
-          </a:p>
-        </p:txBody>
-      </p:sp>
-      <p:sp>
-        <p:nvSpPr>
-          <p:cNvPr id="125" name="CustomShape 4"/>
+            <a:endParaRPr b="0" lang="en-IN" sz="1800" spc="-1" strike="noStrike">
+              <a:latin typeface="Arial"/>
+            </a:endParaRPr>
+          </a:p>
+        </p:txBody>
+      </p:sp>
+      <p:sp>
+        <p:nvSpPr>
+          <p:cNvPr id="124" name="CustomShape 4"/>
           <p:cNvSpPr/>
           <p:nvPr/>
         </p:nvSpPr>
         <p:spPr>
           <a:xfrm>
-            <a:off x="824760" y="2540160"/>
-            <a:ext cx="7871400" cy="1101240"/>
+            <a:off x="264960" y="555120"/>
+            <a:ext cx="8663040" cy="3260880"/>
           </a:xfrm>
           <a:prstGeom prst="rect">
             <a:avLst/>
@@ -4810,122 +4717,17 @@
           <a:effectRef idx="0"/>
           <a:fontRef idx="minor"/>
         </p:style>
-        <p:txBody>
-          <a:bodyPr wrap="none" lIns="0" rIns="0" tIns="0" bIns="0">
-            <a:noAutofit/>
-          </a:bodyPr>
-          <a:p>
-            <a:pPr>
-              <a:lnSpc>
-                <a:spcPct val="100000"/>
-              </a:lnSpc>
-            </a:pPr>
-            <a:r>
-              <a:rPr b="0" lang="en-US" sz="2230" spc="-1" strike="noStrike">
-                <a:solidFill>
-                  <a:srgbClr val="000000"/>
-                </a:solidFill>
-                <a:latin typeface="Arial"/>
-                <a:ea typeface="DejaVu Sans"/>
-              </a:rPr>
-              <a:t>Once you have configured your kernel, simply issuing the make</a:t>
-            </a:r>
-            <a:endParaRPr b="0" lang="en-IN" sz="2230" spc="-1" strike="noStrike">
-              <a:latin typeface="Arial"/>
-            </a:endParaRPr>
-          </a:p>
-          <a:p>
-            <a:pPr>
-              <a:lnSpc>
-                <a:spcPts val="1023"/>
-              </a:lnSpc>
-            </a:pPr>
-            <a:endParaRPr b="0" lang="en-IN" sz="2230" spc="-1" strike="noStrike">
-              <a:latin typeface="Arial"/>
-            </a:endParaRPr>
-          </a:p>
-          <a:p>
-            <a:pPr>
-              <a:lnSpc>
-                <a:spcPts val="1023"/>
-              </a:lnSpc>
-            </a:pPr>
-            <a:r>
-              <a:rPr b="0" lang="en-US" sz="2230" spc="-1" strike="noStrike">
-                <a:solidFill>
-                  <a:srgbClr val="000000"/>
-                </a:solidFill>
-                <a:latin typeface="Arial"/>
-                <a:ea typeface="DejaVu Sans"/>
-              </a:rPr>
-              <a:t>command, followed by the </a:t>
-            </a:r>
-            <a:r>
-              <a:rPr b="1" lang="en-US" sz="2230" spc="-1" strike="noStrike">
-                <a:solidFill>
-                  <a:srgbClr val="000000"/>
-                </a:solidFill>
-                <a:latin typeface="Arial"/>
-                <a:ea typeface="DejaVu Sans"/>
-              </a:rPr>
-              <a:t>make modules</a:t>
-            </a:r>
-            <a:r>
-              <a:rPr b="0" lang="en-US" sz="2230" spc="-1" strike="noStrike">
-                <a:solidFill>
-                  <a:srgbClr val="000000"/>
-                </a:solidFill>
-                <a:latin typeface="Arial"/>
-                <a:ea typeface="DejaVu Sans"/>
-              </a:rPr>
-              <a:t>,</a:t>
-            </a:r>
-            <a:r>
-              <a:rPr b="1" lang="en-US" sz="2240" spc="-1" strike="noStrike">
-                <a:solidFill>
-                  <a:srgbClr val="000000"/>
-                </a:solidFill>
-                <a:latin typeface="Courier New Bold"/>
-                <a:ea typeface="DejaVu Sans"/>
-              </a:rPr>
-              <a:t>make install</a:t>
-            </a:r>
-            <a:r>
-              <a:rPr b="0" lang="en-US" sz="2230" spc="-1" strike="noStrike">
-                <a:solidFill>
-                  <a:srgbClr val="000000"/>
-                </a:solidFill>
-                <a:latin typeface="Arial"/>
-                <a:ea typeface="DejaVu Sans"/>
-              </a:rPr>
-              <a:t> and</a:t>
-            </a:r>
-            <a:endParaRPr b="0" lang="en-IN" sz="2230" spc="-1" strike="noStrike">
-              <a:latin typeface="Arial"/>
-            </a:endParaRPr>
-          </a:p>
-          <a:p>
-            <a:pPr>
-              <a:lnSpc>
-                <a:spcPts val="1023"/>
-              </a:lnSpc>
-            </a:pPr>
-            <a:endParaRPr b="0" lang="en-IN" sz="2230" spc="-1" strike="noStrike">
-              <a:latin typeface="Arial"/>
-            </a:endParaRPr>
-          </a:p>
-        </p:txBody>
-      </p:sp>
-      <p:sp>
-        <p:nvSpPr>
-          <p:cNvPr id="126" name="CustomShape 5"/>
+      </p:sp>
+      <p:sp>
+        <p:nvSpPr>
+          <p:cNvPr id="125" name="CustomShape 5"/>
           <p:cNvSpPr/>
           <p:nvPr/>
         </p:nvSpPr>
         <p:spPr>
           <a:xfrm>
             <a:off x="667800" y="3276720"/>
-            <a:ext cx="8185680" cy="1073520"/>
+            <a:ext cx="8185320" cy="1073160"/>
           </a:xfrm>
           <a:prstGeom prst="rect">
             <a:avLst/>
@@ -4941,92 +4743,17 @@
           <a:effectRef idx="0"/>
           <a:fontRef idx="minor"/>
         </p:style>
-        <p:txBody>
-          <a:bodyPr wrap="none" lIns="0" rIns="0" tIns="0" bIns="0">
-            <a:noAutofit/>
-          </a:bodyPr>
-          <a:p>
-            <a:pPr>
-              <a:lnSpc>
-                <a:spcPct val="100000"/>
-              </a:lnSpc>
-            </a:pPr>
-            <a:r>
-              <a:rPr b="1" lang="en-US" sz="2240" spc="-1" strike="noStrike">
-                <a:solidFill>
-                  <a:srgbClr val="000000"/>
-                </a:solidFill>
-                <a:latin typeface="Courier New Bold"/>
-                <a:ea typeface="DejaVu Sans"/>
-              </a:rPr>
-              <a:t>make modules_install</a:t>
-            </a:r>
-            <a:r>
-              <a:rPr b="0" lang="en-US" sz="2230" spc="-1" strike="noStrike">
-                <a:solidFill>
-                  <a:srgbClr val="000000"/>
-                </a:solidFill>
-                <a:latin typeface="Arial"/>
-                <a:ea typeface="DejaVu Sans"/>
-              </a:rPr>
-              <a:t> commands, is the most common build</a:t>
-            </a:r>
-            <a:endParaRPr b="0" lang="en-IN" sz="2230" spc="-1" strike="noStrike">
-              <a:latin typeface="Arial"/>
-            </a:endParaRPr>
-          </a:p>
-          <a:p>
-            <a:pPr>
-              <a:lnSpc>
-                <a:spcPts val="989"/>
-              </a:lnSpc>
-            </a:pPr>
-            <a:endParaRPr b="0" lang="en-IN" sz="2230" spc="-1" strike="noStrike">
-              <a:latin typeface="Arial"/>
-            </a:endParaRPr>
-          </a:p>
-          <a:p>
-            <a:pPr>
-              <a:lnSpc>
-                <a:spcPts val="989"/>
-              </a:lnSpc>
-            </a:pPr>
-            <a:r>
-              <a:rPr b="0" lang="en-US" sz="2230" spc="-1" strike="noStrike">
-                <a:solidFill>
-                  <a:srgbClr val="000000"/>
-                </a:solidFill>
-                <a:latin typeface="Arial"/>
-                <a:ea typeface="DejaVu Sans"/>
-              </a:rPr>
-              <a:t>and install procedure for 2.6-based kernels.</a:t>
-            </a:r>
-            <a:endParaRPr b="0" lang="en-IN" sz="2230" spc="-1" strike="noStrike">
-              <a:latin typeface="Arial"/>
-            </a:endParaRPr>
-          </a:p>
-          <a:p>
-            <a:pPr>
-              <a:lnSpc>
-                <a:spcPts val="989"/>
-              </a:lnSpc>
-            </a:pPr>
-            <a:endParaRPr b="0" lang="en-IN" sz="2230" spc="-1" strike="noStrike">
-              <a:latin typeface="Arial"/>
-            </a:endParaRPr>
-          </a:p>
-        </p:txBody>
-      </p:sp>
-      <p:sp>
-        <p:nvSpPr>
-          <p:cNvPr id="127" name="CustomShape 6"/>
+      </p:sp>
+      <p:sp>
+        <p:nvSpPr>
+          <p:cNvPr id="126" name="CustomShape 6"/>
           <p:cNvSpPr/>
           <p:nvPr/>
         </p:nvSpPr>
         <p:spPr>
           <a:xfrm>
-            <a:off x="4352400" y="4013280"/>
-            <a:ext cx="816480" cy="712800"/>
+            <a:off x="47880" y="2239560"/>
+            <a:ext cx="816120" cy="712440"/>
           </a:xfrm>
           <a:prstGeom prst="rect">
             <a:avLst/>
@@ -5080,14 +4807,14 @@
       </p:sp>
       <p:sp>
         <p:nvSpPr>
-          <p:cNvPr id="128" name="CustomShape 7"/>
+          <p:cNvPr id="127" name="CustomShape 7"/>
           <p:cNvSpPr/>
           <p:nvPr/>
         </p:nvSpPr>
         <p:spPr>
           <a:xfrm>
-            <a:off x="1030320" y="4354560"/>
-            <a:ext cx="6940800" cy="1101240"/>
+            <a:off x="216000" y="2466000"/>
+            <a:ext cx="8640000" cy="1100880"/>
           </a:xfrm>
           <a:prstGeom prst="rect">
             <a:avLst/>
@@ -5171,14 +4898,14 @@
       </p:sp>
       <p:sp>
         <p:nvSpPr>
-          <p:cNvPr id="129" name="CustomShape 8"/>
+          <p:cNvPr id="128" name="CustomShape 8"/>
           <p:cNvSpPr/>
           <p:nvPr/>
         </p:nvSpPr>
         <p:spPr>
           <a:xfrm>
-            <a:off x="621000" y="5105520"/>
-            <a:ext cx="8278920" cy="1073520"/>
+            <a:off x="360000" y="4623480"/>
+            <a:ext cx="7990200" cy="344520"/>
           </a:xfrm>
           <a:prstGeom prst="rect">
             <a:avLst/>
@@ -5195,7 +4922,7 @@
           <a:fontRef idx="minor"/>
         </p:style>
         <p:txBody>
-          <a:bodyPr wrap="none" lIns="0" rIns="0" tIns="0" bIns="0">
+          <a:bodyPr lIns="90000" rIns="90000" tIns="45000" bIns="45000">
             <a:noAutofit/>
           </a:bodyPr>
           <a:p>
@@ -5205,81 +4932,31 @@
               </a:lnSpc>
             </a:pPr>
             <a:r>
-              <a:rPr b="0" lang="en-US" sz="2230" spc="-1" strike="noStrike">
-                <a:solidFill>
-                  <a:srgbClr val="000000"/>
-                </a:solidFill>
-                <a:latin typeface="Arial"/>
-                <a:ea typeface="DejaVu Sans"/>
-              </a:rPr>
-              <a:t>All kernel modules, spread over the kernel source tree, as .ko files.</a:t>
-            </a:r>
-            <a:endParaRPr b="0" lang="en-IN" sz="2230" spc="-1" strike="noStrike">
-              <a:latin typeface="Arial"/>
-            </a:endParaRPr>
-          </a:p>
-          <a:p>
-            <a:pPr>
-              <a:lnSpc>
-                <a:spcPts val="989"/>
-              </a:lnSpc>
-            </a:pPr>
-            <a:endParaRPr b="0" lang="en-IN" sz="2230" spc="-1" strike="noStrike">
-              <a:latin typeface="Arial"/>
-            </a:endParaRPr>
-          </a:p>
-          <a:p>
-            <a:pPr>
-              <a:lnSpc>
-                <a:spcPts val="989"/>
-              </a:lnSpc>
-            </a:pPr>
-            <a:endParaRPr b="0" lang="en-IN" sz="2230" spc="-1" strike="noStrike">
-              <a:latin typeface="Arial"/>
-            </a:endParaRPr>
-          </a:p>
-          <a:p>
-            <a:pPr>
-              <a:lnSpc>
-                <a:spcPts val="989"/>
-              </a:lnSpc>
-            </a:pPr>
-            <a:r>
-              <a:rPr b="0" lang="en-US" sz="2230" spc="-1" strike="noStrike">
-                <a:solidFill>
-                  <a:srgbClr val="000000"/>
-                </a:solidFill>
-                <a:latin typeface="Arial"/>
-                <a:ea typeface="DejaVu Sans"/>
-              </a:rPr>
-              <a:t>Makes changes in the grub.conf file.</a:t>
-            </a:r>
-            <a:endParaRPr b="0" lang="en-IN" sz="2230" spc="-1" strike="noStrike">
-              <a:latin typeface="Arial"/>
-            </a:endParaRPr>
-          </a:p>
-          <a:p>
-            <a:pPr>
-              <a:lnSpc>
-                <a:spcPts val="989"/>
-              </a:lnSpc>
-            </a:pPr>
-            <a:endParaRPr b="0" lang="en-IN" sz="2230" spc="-1" strike="noStrike">
-              <a:latin typeface="Arial"/>
-            </a:endParaRPr>
-          </a:p>
-        </p:txBody>
-      </p:sp>
-      <p:sp>
-        <p:nvSpPr>
-          <p:cNvPr id="130" name="CustomShape 9"/>
-          <p:cNvSpPr/>
+              <a:rPr b="0" lang="en-IN" sz="1800" spc="-1" strike="noStrike">
+                <a:solidFill>
+                  <a:srgbClr val="000000"/>
+                </a:solidFill>
+                <a:latin typeface="Arial"/>
+                <a:ea typeface="DejaVu Sans"/>
+              </a:rPr>
+              <a:t>make -jn , make modules, make modules_install, make install</a:t>
+            </a:r>
+            <a:endParaRPr b="0" lang="en-IN" sz="1800" spc="-1" strike="noStrike">
+              <a:latin typeface="Arial"/>
+            </a:endParaRPr>
+          </a:p>
+        </p:txBody>
+      </p:sp>
+      <p:sp>
+        <p:nvSpPr>
+          <p:cNvPr id="129" name="TextShape 9"/>
+          <p:cNvSpPr txBox="1"/>
           <p:nvPr/>
         </p:nvSpPr>
         <p:spPr>
           <a:xfrm>
-            <a:off x="432000" y="6048000"/>
-            <a:ext cx="7990560" cy="344880"/>
+            <a:off x="0" y="936000"/>
+            <a:ext cx="8892000" cy="1352160"/>
           </a:xfrm>
           <a:prstGeom prst="rect">
             <a:avLst/>
@@ -5289,33 +4966,92 @@
             <a:noFill/>
           </a:ln>
         </p:spPr>
-        <p:style>
-          <a:lnRef idx="0"/>
-          <a:fillRef idx="0"/>
-          <a:effectRef idx="0"/>
-          <a:fontRef idx="minor"/>
-        </p:style>
         <p:txBody>
           <a:bodyPr lIns="90000" rIns="90000" tIns="45000" bIns="45000">
             <a:noAutofit/>
           </a:bodyPr>
           <a:p>
-            <a:pPr>
-              <a:lnSpc>
-                <a:spcPct val="100000"/>
-              </a:lnSpc>
-            </a:pPr>
-            <a:r>
-              <a:rPr b="0" lang="en-IN" sz="1800" spc="-1" strike="noStrike">
-                <a:solidFill>
-                  <a:srgbClr val="000000"/>
-                </a:solidFill>
-                <a:latin typeface="Arial"/>
-                <a:ea typeface="DejaVu Sans"/>
-              </a:rPr>
-              <a:t>make -jn , make modules, make modules_install, make install</a:t>
-            </a:r>
-            <a:endParaRPr b="0" lang="en-IN" sz="1800" spc="-1" strike="noStrike">
+            <a:r>
+              <a:rPr b="0" lang="en-US" sz="2230" spc="-1" strike="noStrike">
+                <a:solidFill>
+                  <a:srgbClr val="000000"/>
+                </a:solidFill>
+                <a:latin typeface="Arial"/>
+                <a:ea typeface="DejaVu Sans"/>
+              </a:rPr>
+              <a:t>(and silently) generates dependency information, compiles the kernel,</a:t>
+            </a:r>
+            <a:endParaRPr b="0" lang="en-IN" sz="2230" spc="-1" strike="noStrike">
+              <a:latin typeface="Arial"/>
+            </a:endParaRPr>
+          </a:p>
+          <a:p>
+            <a:r>
+              <a:rPr b="0" lang="en-US" sz="2230" spc="-1" strike="noStrike">
+                <a:solidFill>
+                  <a:srgbClr val="000000"/>
+                </a:solidFill>
+                <a:latin typeface="Arial"/>
+                <a:ea typeface="DejaVu Sans"/>
+              </a:rPr>
+              <a:t>and compiles any drivers that you have selected for installation as</a:t>
+            </a:r>
+            <a:endParaRPr b="0" lang="en-IN" sz="2230" spc="-1" strike="noStrike">
+              <a:latin typeface="Arial"/>
+            </a:endParaRPr>
+          </a:p>
+          <a:p>
+            <a:r>
+              <a:rPr b="0" lang="en-US" sz="2230" spc="-1" strike="noStrike">
+                <a:solidFill>
+                  <a:srgbClr val="000000"/>
+                </a:solidFill>
+                <a:latin typeface="Arial"/>
+                <a:ea typeface="DejaVu Sans"/>
+              </a:rPr>
+              <a:t>modules.</a:t>
+            </a:r>
+            <a:endParaRPr b="0" lang="en-IN" sz="2230" spc="-1" strike="noStrike">
+              <a:latin typeface="Arial"/>
+            </a:endParaRPr>
+          </a:p>
+        </p:txBody>
+      </p:sp>
+      <p:sp>
+        <p:nvSpPr>
+          <p:cNvPr id="130" name="TextShape 10"/>
+          <p:cNvSpPr txBox="1"/>
+          <p:nvPr/>
+        </p:nvSpPr>
+        <p:spPr>
+          <a:xfrm>
+            <a:off x="93240" y="3133440"/>
+            <a:ext cx="8906760" cy="1351800"/>
+          </a:xfrm>
+          <a:prstGeom prst="rect">
+            <a:avLst/>
+          </a:prstGeom>
+          <a:noFill/>
+          <a:ln>
+            <a:noFill/>
+          </a:ln>
+        </p:spPr>
+        <p:txBody>
+          <a:bodyPr lIns="90000" rIns="90000" tIns="45000" bIns="45000">
+            <a:noAutofit/>
+          </a:bodyPr>
+          <a:p>
+            <a:r>
+              <a:rPr b="0" lang="en-US" sz="2230" spc="-1" strike="noStrike">
+                <a:solidFill>
+                  <a:srgbClr val="000000"/>
+                </a:solidFill>
+                <a:latin typeface="Arial"/>
+                <a:ea typeface="DejaVu Sans"/>
+              </a:rPr>
+              <a:t>If bzImage is the actual kernel that we use to boot and initialize the system, then what's vmlinux for? Notice that vmlinux is the uncompressed kernel image. It can be large (even very large, in the presence of kernel symbols generated during a debug build).</a:t>
+            </a:r>
+            <a:endParaRPr b="0" lang="en-IN" sz="2230" spc="-1" strike="noStrike">
               <a:latin typeface="Arial"/>
             </a:endParaRPr>
           </a:p>
@@ -5351,39 +5087,16 @@
           <a:chExt cx="0" cy="0"/>
         </a:xfrm>
       </p:grpSpPr>
-      <p:pic>
-        <p:nvPicPr>
-          <p:cNvPr id="131" name="Picture 1" descr=""/>
-          <p:cNvPicPr/>
-          <p:nvPr/>
-        </p:nvPicPr>
-        <p:blipFill>
-          <a:blip r:embed="rId1"/>
-          <a:stretch/>
-        </p:blipFill>
-        <p:spPr>
-          <a:xfrm>
-            <a:off x="0" y="0"/>
-            <a:ext cx="9140400" cy="6841800"/>
-          </a:xfrm>
-          <a:prstGeom prst="rect">
-            <a:avLst/>
-          </a:prstGeom>
-          <a:ln>
-            <a:noFill/>
-          </a:ln>
-        </p:spPr>
-      </p:pic>
-      <p:sp>
-        <p:nvSpPr>
-          <p:cNvPr id="132" name="CustomShape 1"/>
+      <p:sp>
+        <p:nvSpPr>
+          <p:cNvPr id="131" name="CustomShape 1"/>
           <p:cNvSpPr/>
           <p:nvPr/>
         </p:nvSpPr>
         <p:spPr>
           <a:xfrm>
             <a:off x="1822680" y="279360"/>
-            <a:ext cx="5583600" cy="712800"/>
+            <a:ext cx="6385320" cy="712440"/>
           </a:xfrm>
           <a:prstGeom prst="rect">
             <a:avLst/>
@@ -5423,28 +5136,18 @@
               <a:latin typeface="Arial"/>
             </a:endParaRPr>
           </a:p>
-          <a:p>
-            <a:pPr>
-              <a:lnSpc>
-                <a:spcPts val="975"/>
-              </a:lnSpc>
-            </a:pPr>
-            <a:endParaRPr b="0" lang="en-IN" sz="2230" spc="-1" strike="noStrike">
-              <a:latin typeface="Arial"/>
-            </a:endParaRPr>
-          </a:p>
-        </p:txBody>
-      </p:sp>
-      <p:sp>
-        <p:nvSpPr>
-          <p:cNvPr id="133" name="CustomShape 2"/>
+        </p:txBody>
+      </p:sp>
+      <p:sp>
+        <p:nvSpPr>
+          <p:cNvPr id="132" name="CustomShape 2"/>
           <p:cNvSpPr/>
           <p:nvPr/>
         </p:nvSpPr>
         <p:spPr>
           <a:xfrm>
             <a:off x="549360" y="635040"/>
-            <a:ext cx="8130600" cy="1469520"/>
+            <a:ext cx="8130240" cy="1469160"/>
           </a:xfrm>
           <a:prstGeom prst="rect">
             <a:avLst/>
@@ -5548,14 +5251,14 @@
       </p:sp>
       <p:sp>
         <p:nvSpPr>
-          <p:cNvPr id="134" name="CustomShape 3"/>
+          <p:cNvPr id="133" name="CustomShape 3"/>
           <p:cNvSpPr/>
           <p:nvPr/>
         </p:nvSpPr>
         <p:spPr>
           <a:xfrm>
-            <a:off x="3099240" y="1739880"/>
-            <a:ext cx="3030480" cy="714600"/>
+            <a:off x="3017880" y="1728000"/>
+            <a:ext cx="3030120" cy="714240"/>
           </a:xfrm>
           <a:prstGeom prst="rect">
             <a:avLst/>
@@ -5609,14 +5312,14 @@
       </p:sp>
       <p:sp>
         <p:nvSpPr>
-          <p:cNvPr id="135" name="CustomShape 4"/>
+          <p:cNvPr id="134" name="CustomShape 4"/>
           <p:cNvSpPr/>
           <p:nvPr/>
         </p:nvSpPr>
         <p:spPr>
           <a:xfrm>
-            <a:off x="1871640" y="2108160"/>
-            <a:ext cx="5486040" cy="712800"/>
+            <a:off x="288000" y="2304000"/>
+            <a:ext cx="7831080" cy="712440"/>
           </a:xfrm>
           <a:prstGeom prst="rect">
             <a:avLst/>
@@ -5670,14 +5373,14 @@
       </p:sp>
       <p:sp>
         <p:nvSpPr>
-          <p:cNvPr id="136" name="CustomShape 5"/>
+          <p:cNvPr id="135" name="CustomShape 5"/>
           <p:cNvSpPr/>
           <p:nvPr/>
         </p:nvSpPr>
         <p:spPr>
           <a:xfrm>
             <a:off x="4159440" y="2476440"/>
-            <a:ext cx="910440" cy="712800"/>
+            <a:ext cx="910080" cy="712440"/>
           </a:xfrm>
           <a:prstGeom prst="rect">
             <a:avLst/>
@@ -5731,14 +5434,14 @@
       </p:sp>
       <p:sp>
         <p:nvSpPr>
-          <p:cNvPr id="137" name="CustomShape 6"/>
+          <p:cNvPr id="136" name="CustomShape 6"/>
           <p:cNvSpPr/>
           <p:nvPr/>
         </p:nvSpPr>
         <p:spPr>
           <a:xfrm>
             <a:off x="358200" y="2832120"/>
-            <a:ext cx="8512920" cy="1101240"/>
+            <a:ext cx="8512560" cy="1100880"/>
           </a:xfrm>
           <a:prstGeom prst="rect">
             <a:avLst/>
@@ -5822,14 +5525,14 @@
       </p:sp>
       <p:sp>
         <p:nvSpPr>
-          <p:cNvPr id="138" name="CustomShape 7"/>
+          <p:cNvPr id="137" name="CustomShape 7"/>
           <p:cNvSpPr/>
           <p:nvPr/>
         </p:nvSpPr>
         <p:spPr>
           <a:xfrm>
             <a:off x="3686760" y="3568680"/>
-            <a:ext cx="1855440" cy="712800"/>
+            <a:ext cx="1855080" cy="712440"/>
           </a:xfrm>
           <a:prstGeom prst="rect">
             <a:avLst/>
@@ -5883,14 +5586,14 @@
       </p:sp>
       <p:sp>
         <p:nvSpPr>
-          <p:cNvPr id="139" name="CustomShape 8"/>
+          <p:cNvPr id="138" name="CustomShape 8"/>
           <p:cNvSpPr/>
           <p:nvPr/>
         </p:nvSpPr>
         <p:spPr>
           <a:xfrm>
-            <a:off x="1102320" y="3924360"/>
-            <a:ext cx="7024320" cy="1101240"/>
+            <a:off x="392040" y="3867120"/>
+            <a:ext cx="8103960" cy="1100880"/>
           </a:xfrm>
           <a:prstGeom prst="rect">
             <a:avLst/>
@@ -5974,14 +5677,14 @@
       </p:sp>
       <p:sp>
         <p:nvSpPr>
-          <p:cNvPr id="140" name="CustomShape 9"/>
+          <p:cNvPr id="139" name="CustomShape 9"/>
           <p:cNvSpPr/>
           <p:nvPr/>
         </p:nvSpPr>
         <p:spPr>
           <a:xfrm>
             <a:off x="2347200" y="4673520"/>
-            <a:ext cx="4534560" cy="712800"/>
+            <a:ext cx="4534200" cy="712440"/>
           </a:xfrm>
           <a:prstGeom prst="rect">
             <a:avLst/>
@@ -6045,14 +5748,14 @@
       </p:sp>
       <p:sp>
         <p:nvSpPr>
-          <p:cNvPr id="141" name="CustomShape 10"/>
+          <p:cNvPr id="140" name="CustomShape 10"/>
           <p:cNvSpPr/>
           <p:nvPr/>
         </p:nvSpPr>
         <p:spPr>
           <a:xfrm>
             <a:off x="129600" y="5041800"/>
-            <a:ext cx="8140320" cy="1064160"/>
+            <a:ext cx="8139960" cy="1063800"/>
           </a:xfrm>
           <a:prstGeom prst="rect">
             <a:avLst/>
@@ -6126,14 +5829,14 @@
       </p:sp>
       <p:sp>
         <p:nvSpPr>
-          <p:cNvPr id="142" name="CustomShape 11"/>
+          <p:cNvPr id="141" name="CustomShape 11"/>
           <p:cNvSpPr/>
           <p:nvPr/>
         </p:nvSpPr>
         <p:spPr>
           <a:xfrm>
             <a:off x="288000" y="5581800"/>
-            <a:ext cx="8638560" cy="1112760"/>
+            <a:ext cx="8638200" cy="1112400"/>
           </a:xfrm>
           <a:prstGeom prst="rect">
             <a:avLst/>
@@ -6237,7 +5940,7 @@
       </p:grpSpPr>
       <p:pic>
         <p:nvPicPr>
-          <p:cNvPr id="143" name="Picture 1" descr=""/>
+          <p:cNvPr id="142" name="Picture 1" descr=""/>
           <p:cNvPicPr/>
           <p:nvPr/>
         </p:nvPicPr>
@@ -6248,7 +5951,7 @@
         <p:spPr>
           <a:xfrm>
             <a:off x="0" y="0"/>
-            <a:ext cx="9140400" cy="6841800"/>
+            <a:ext cx="9140040" cy="6841440"/>
           </a:xfrm>
           <a:prstGeom prst="rect">
             <a:avLst/>
@@ -6260,14 +5963,14 @@
       </p:pic>
       <p:sp>
         <p:nvSpPr>
-          <p:cNvPr id="144" name="CustomShape 1"/>
+          <p:cNvPr id="143" name="CustomShape 1"/>
           <p:cNvSpPr/>
           <p:nvPr/>
         </p:nvSpPr>
         <p:spPr>
           <a:xfrm>
             <a:off x="4573800" y="203040"/>
-            <a:ext cx="3053520" cy="712800"/>
+            <a:ext cx="3053160" cy="712440"/>
           </a:xfrm>
           <a:prstGeom prst="rect">
             <a:avLst/>
@@ -6321,14 +6024,14 @@
       </p:sp>
       <p:sp>
         <p:nvSpPr>
-          <p:cNvPr id="145" name="CustomShape 2"/>
+          <p:cNvPr id="144" name="CustomShape 2"/>
           <p:cNvSpPr/>
           <p:nvPr/>
         </p:nvSpPr>
         <p:spPr>
           <a:xfrm>
             <a:off x="3956040" y="901800"/>
-            <a:ext cx="1672560" cy="593280"/>
+            <a:ext cx="1672200" cy="592920"/>
           </a:xfrm>
           <a:prstGeom prst="rect">
             <a:avLst/>
@@ -6382,14 +6085,14 @@
       </p:sp>
       <p:sp>
         <p:nvSpPr>
-          <p:cNvPr id="146" name="CustomShape 3"/>
+          <p:cNvPr id="145" name="CustomShape 3"/>
           <p:cNvSpPr/>
           <p:nvPr/>
         </p:nvSpPr>
         <p:spPr>
           <a:xfrm>
             <a:off x="4280400" y="1498680"/>
-            <a:ext cx="1544040" cy="593280"/>
+            <a:ext cx="1543680" cy="592920"/>
           </a:xfrm>
           <a:prstGeom prst="rect">
             <a:avLst/>
@@ -6443,14 +6146,14 @@
       </p:sp>
       <p:sp>
         <p:nvSpPr>
-          <p:cNvPr id="147" name="CustomShape 4"/>
+          <p:cNvPr id="146" name="CustomShape 4"/>
           <p:cNvSpPr/>
           <p:nvPr/>
         </p:nvSpPr>
         <p:spPr>
           <a:xfrm>
             <a:off x="4412880" y="2565360"/>
-            <a:ext cx="1889640" cy="593280"/>
+            <a:ext cx="1889280" cy="592920"/>
           </a:xfrm>
           <a:prstGeom prst="rect">
             <a:avLst/>
@@ -6504,14 +6207,14 @@
       </p:sp>
       <p:sp>
         <p:nvSpPr>
-          <p:cNvPr id="148" name="CustomShape 5"/>
+          <p:cNvPr id="147" name="CustomShape 5"/>
           <p:cNvSpPr/>
           <p:nvPr/>
         </p:nvSpPr>
         <p:spPr>
           <a:xfrm>
             <a:off x="4641480" y="3632040"/>
-            <a:ext cx="1889640" cy="593280"/>
+            <a:ext cx="1889280" cy="592920"/>
           </a:xfrm>
           <a:prstGeom prst="rect">
             <a:avLst/>
@@ -6565,14 +6268,14 @@
       </p:sp>
       <p:sp>
         <p:nvSpPr>
-          <p:cNvPr id="149" name="CustomShape 6"/>
+          <p:cNvPr id="148" name="CustomShape 6"/>
           <p:cNvSpPr/>
           <p:nvPr/>
         </p:nvSpPr>
         <p:spPr>
           <a:xfrm>
             <a:off x="5636880" y="4699080"/>
-            <a:ext cx="673560" cy="593280"/>
+            <a:ext cx="673200" cy="592920"/>
           </a:xfrm>
           <a:prstGeom prst="rect">
             <a:avLst/>
@@ -6626,14 +6329,14 @@
       </p:sp>
       <p:sp>
         <p:nvSpPr>
-          <p:cNvPr id="150" name="CustomShape 7"/>
+          <p:cNvPr id="149" name="CustomShape 7"/>
           <p:cNvSpPr/>
           <p:nvPr/>
         </p:nvSpPr>
         <p:spPr>
           <a:xfrm>
             <a:off x="5932080" y="5765760"/>
-            <a:ext cx="311760" cy="593280"/>
+            <a:ext cx="311400" cy="592920"/>
           </a:xfrm>
           <a:prstGeom prst="rect">
             <a:avLst/>
@@ -6687,14 +6390,14 @@
       </p:sp>
       <p:sp>
         <p:nvSpPr>
-          <p:cNvPr id="151" name="CustomShape 8"/>
+          <p:cNvPr id="150" name="CustomShape 8"/>
           <p:cNvSpPr/>
           <p:nvPr/>
         </p:nvSpPr>
         <p:spPr>
           <a:xfrm>
             <a:off x="7000920" y="1498680"/>
-            <a:ext cx="1882080" cy="593280"/>
+            <a:ext cx="1881720" cy="592920"/>
           </a:xfrm>
           <a:prstGeom prst="rect">
             <a:avLst/>
@@ -6748,14 +6451,14 @@
       </p:sp>
       <p:sp>
         <p:nvSpPr>
-          <p:cNvPr id="152" name="CustomShape 9"/>
+          <p:cNvPr id="151" name="CustomShape 9"/>
           <p:cNvSpPr/>
           <p:nvPr/>
         </p:nvSpPr>
         <p:spPr>
           <a:xfrm>
             <a:off x="6908400" y="2565360"/>
-            <a:ext cx="2079720" cy="593280"/>
+            <a:ext cx="2079360" cy="592920"/>
           </a:xfrm>
           <a:prstGeom prst="rect">
             <a:avLst/>
@@ -6809,14 +6512,14 @@
       </p:sp>
       <p:sp>
         <p:nvSpPr>
-          <p:cNvPr id="153" name="CustomShape 10"/>
+          <p:cNvPr id="152" name="CustomShape 10"/>
           <p:cNvSpPr/>
           <p:nvPr/>
         </p:nvSpPr>
         <p:spPr>
           <a:xfrm>
             <a:off x="7141320" y="3632040"/>
-            <a:ext cx="1690560" cy="593280"/>
+            <a:ext cx="1690200" cy="592920"/>
           </a:xfrm>
           <a:prstGeom prst="rect">
             <a:avLst/>
@@ -6870,14 +6573,14 @@
       </p:sp>
       <p:sp>
         <p:nvSpPr>
-          <p:cNvPr id="154" name="CustomShape 11"/>
+          <p:cNvPr id="153" name="CustomShape 11"/>
           <p:cNvSpPr/>
           <p:nvPr/>
         </p:nvSpPr>
         <p:spPr>
           <a:xfrm>
             <a:off x="7707240" y="4699080"/>
-            <a:ext cx="558720" cy="593280"/>
+            <a:ext cx="558360" cy="592920"/>
           </a:xfrm>
           <a:prstGeom prst="rect">
             <a:avLst/>
@@ -6931,14 +6634,14 @@
       </p:sp>
       <p:sp>
         <p:nvSpPr>
-          <p:cNvPr id="155" name="CustomShape 12"/>
+          <p:cNvPr id="154" name="CustomShape 12"/>
           <p:cNvSpPr/>
           <p:nvPr/>
         </p:nvSpPr>
         <p:spPr>
           <a:xfrm>
             <a:off x="7455960" y="5765760"/>
-            <a:ext cx="1212840" cy="593280"/>
+            <a:ext cx="1212480" cy="592920"/>
           </a:xfrm>
           <a:prstGeom prst="rect">
             <a:avLst/>
@@ -6992,14 +6695,14 @@
       </p:sp>
       <p:sp>
         <p:nvSpPr>
-          <p:cNvPr id="156" name="CustomShape 13"/>
+          <p:cNvPr id="155" name="CustomShape 13"/>
           <p:cNvSpPr/>
           <p:nvPr/>
         </p:nvSpPr>
         <p:spPr>
           <a:xfrm>
             <a:off x="5283000" y="5892840"/>
-            <a:ext cx="1025640" cy="584640"/>
+            <a:ext cx="1025280" cy="584280"/>
           </a:xfrm>
           <a:prstGeom prst="rect">
             <a:avLst/>
@@ -7083,7 +6786,7 @@
       </p:grpSpPr>
       <p:pic>
         <p:nvPicPr>
-          <p:cNvPr id="157" name="Picture 1" descr=""/>
+          <p:cNvPr id="156" name="Picture 1" descr=""/>
           <p:cNvPicPr/>
           <p:nvPr/>
         </p:nvPicPr>
@@ -7094,7 +6797,7 @@
         <p:spPr>
           <a:xfrm>
             <a:off x="0" y="0"/>
-            <a:ext cx="9140400" cy="6841800"/>
+            <a:ext cx="9140040" cy="6841440"/>
           </a:xfrm>
           <a:prstGeom prst="rect">
             <a:avLst/>
@@ -7106,14 +6809,14 @@
       </p:pic>
       <p:sp>
         <p:nvSpPr>
-          <p:cNvPr id="158" name="CustomShape 1"/>
+          <p:cNvPr id="157" name="CustomShape 1"/>
           <p:cNvSpPr/>
           <p:nvPr/>
         </p:nvSpPr>
         <p:spPr>
           <a:xfrm>
             <a:off x="4601880" y="203040"/>
-            <a:ext cx="2844720" cy="712800"/>
+            <a:ext cx="2844360" cy="712440"/>
           </a:xfrm>
           <a:prstGeom prst="rect">
             <a:avLst/>
@@ -7197,7 +6900,7 @@
       </p:grpSpPr>
       <p:pic>
         <p:nvPicPr>
-          <p:cNvPr id="159" name="Picture 1" descr=""/>
+          <p:cNvPr id="158" name="Picture 1" descr=""/>
           <p:cNvPicPr/>
           <p:nvPr/>
         </p:nvPicPr>
@@ -7208,7 +6911,7 @@
         <p:spPr>
           <a:xfrm>
             <a:off x="0" y="0"/>
-            <a:ext cx="9140400" cy="6841800"/>
+            <a:ext cx="9140040" cy="6841440"/>
           </a:xfrm>
           <a:prstGeom prst="rect">
             <a:avLst/>
@@ -7250,7 +6953,7 @@
       </p:grpSpPr>
       <p:pic>
         <p:nvPicPr>
-          <p:cNvPr id="160" name="" descr=""/>
+          <p:cNvPr id="159" name="" descr=""/>
           <p:cNvPicPr/>
           <p:nvPr/>
         </p:nvPicPr>
@@ -7261,7 +6964,7 @@
         <p:spPr>
           <a:xfrm>
             <a:off x="20880" y="727920"/>
-            <a:ext cx="9140760" cy="5418360"/>
+            <a:ext cx="9140400" cy="5418000"/>
           </a:xfrm>
           <a:prstGeom prst="rect">
             <a:avLst/>
@@ -7303,14 +7006,14 @@
       </p:grpSpPr>
       <p:sp>
         <p:nvSpPr>
-          <p:cNvPr id="161" name="CustomShape 1"/>
+          <p:cNvPr id="160" name="CustomShape 1"/>
           <p:cNvSpPr/>
           <p:nvPr/>
         </p:nvSpPr>
         <p:spPr>
           <a:xfrm>
             <a:off x="72000" y="144000"/>
-            <a:ext cx="8998560" cy="4184280"/>
+            <a:ext cx="8998200" cy="4183920"/>
           </a:xfrm>
           <a:prstGeom prst="rect">
             <a:avLst/>
@@ -7664,14 +7367,14 @@
       </p:grpSpPr>
       <p:sp>
         <p:nvSpPr>
-          <p:cNvPr id="162" name="CustomShape 1"/>
+          <p:cNvPr id="161" name="CustomShape 1"/>
           <p:cNvSpPr/>
           <p:nvPr/>
         </p:nvSpPr>
         <p:spPr>
           <a:xfrm>
             <a:off x="-90720" y="94680"/>
-            <a:ext cx="9087840" cy="6230520"/>
+            <a:ext cx="9087480" cy="6230160"/>
           </a:xfrm>
           <a:prstGeom prst="rect">
             <a:avLst/>
@@ -7852,7 +7555,7 @@
             </a:endParaRPr>
           </a:p>
           <a:p>
-            <a:pPr marL="216000" indent="-213120">
+            <a:pPr marL="216000" indent="-212760">
               <a:lnSpc>
                 <a:spcPct val="100000"/>
               </a:lnSpc>
@@ -7878,7 +7581,7 @@
             </a:endParaRPr>
           </a:p>
           <a:p>
-            <a:pPr marL="216000" indent="-213120">
+            <a:pPr marL="216000" indent="-212760">
               <a:lnSpc>
                 <a:spcPct val="100000"/>
               </a:lnSpc>
@@ -7904,7 +7607,7 @@
             </a:endParaRPr>
           </a:p>
           <a:p>
-            <a:pPr marL="216000" indent="-213120">
+            <a:pPr marL="216000" indent="-212760">
               <a:lnSpc>
                 <a:spcPct val="100000"/>
               </a:lnSpc>
@@ -8004,7 +7707,7 @@
         <p:spPr>
           <a:xfrm>
             <a:off x="0" y="0"/>
-            <a:ext cx="9140400" cy="6841800"/>
+            <a:ext cx="9140040" cy="6841440"/>
           </a:xfrm>
           <a:prstGeom prst="rect">
             <a:avLst/>
@@ -8023,7 +7726,7 @@
         <p:spPr>
           <a:xfrm>
             <a:off x="2393640" y="406440"/>
-            <a:ext cx="5026320" cy="712800"/>
+            <a:ext cx="5025960" cy="712440"/>
           </a:xfrm>
           <a:prstGeom prst="rect">
             <a:avLst/>
@@ -8084,7 +7787,7 @@
         <p:spPr>
           <a:xfrm>
             <a:off x="1398600" y="1384200"/>
-            <a:ext cx="7016400" cy="712800"/>
+            <a:ext cx="7016040" cy="712440"/>
           </a:xfrm>
           <a:prstGeom prst="rect">
             <a:avLst/>
@@ -8145,7 +7848,7 @@
         <p:spPr>
           <a:xfrm>
             <a:off x="3832920" y="1854360"/>
-            <a:ext cx="2147400" cy="712800"/>
+            <a:ext cx="2147040" cy="712440"/>
           </a:xfrm>
           <a:prstGeom prst="rect">
             <a:avLst/>
@@ -8216,7 +7919,7 @@
         <p:spPr>
           <a:xfrm>
             <a:off x="3689280" y="2349360"/>
-            <a:ext cx="2434680" cy="712800"/>
+            <a:ext cx="2434320" cy="712440"/>
           </a:xfrm>
           <a:prstGeom prst="rect">
             <a:avLst/>
@@ -8287,7 +7990,7 @@
         <p:spPr>
           <a:xfrm>
             <a:off x="3785760" y="2844720"/>
-            <a:ext cx="2241720" cy="712800"/>
+            <a:ext cx="2241360" cy="712440"/>
           </a:xfrm>
           <a:prstGeom prst="rect">
             <a:avLst/>
@@ -8358,7 +8061,7 @@
         <p:spPr>
           <a:xfrm>
             <a:off x="3617640" y="3340080"/>
-            <a:ext cx="2577960" cy="712800"/>
+            <a:ext cx="2577600" cy="712440"/>
           </a:xfrm>
           <a:prstGeom prst="rect">
             <a:avLst/>
@@ -8452,14 +8155,14 @@
       </p:grpSpPr>
       <p:sp>
         <p:nvSpPr>
-          <p:cNvPr id="163" name="CustomShape 1"/>
+          <p:cNvPr id="162" name="CustomShape 1"/>
           <p:cNvSpPr/>
           <p:nvPr/>
         </p:nvSpPr>
         <p:spPr>
           <a:xfrm>
             <a:off x="145080" y="72000"/>
-            <a:ext cx="8997120" cy="6230520"/>
+            <a:ext cx="8996760" cy="6230160"/>
           </a:xfrm>
           <a:prstGeom prst="rect">
             <a:avLst/>
@@ -8803,7 +8506,7 @@
       </p:grpSpPr>
       <p:pic>
         <p:nvPicPr>
-          <p:cNvPr id="164" name="Picture 1" descr=""/>
+          <p:cNvPr id="163" name="Picture 1" descr=""/>
           <p:cNvPicPr/>
           <p:nvPr/>
         </p:nvPicPr>
@@ -8814,7 +8517,7 @@
         <p:spPr>
           <a:xfrm>
             <a:off x="0" y="0"/>
-            <a:ext cx="9140400" cy="6841800"/>
+            <a:ext cx="9140040" cy="6841440"/>
           </a:xfrm>
           <a:prstGeom prst="rect">
             <a:avLst/>
@@ -8826,14 +8529,14 @@
       </p:pic>
       <p:sp>
         <p:nvSpPr>
-          <p:cNvPr id="165" name="CustomShape 1"/>
+          <p:cNvPr id="164" name="CustomShape 1"/>
           <p:cNvSpPr/>
           <p:nvPr/>
         </p:nvSpPr>
         <p:spPr>
           <a:xfrm>
             <a:off x="4369680" y="254160"/>
-            <a:ext cx="832680" cy="712800"/>
+            <a:ext cx="832320" cy="712440"/>
           </a:xfrm>
           <a:prstGeom prst="rect">
             <a:avLst/>
@@ -8887,14 +8590,14 @@
       </p:sp>
       <p:sp>
         <p:nvSpPr>
-          <p:cNvPr id="166" name="CustomShape 2"/>
+          <p:cNvPr id="165" name="CustomShape 2"/>
           <p:cNvSpPr/>
           <p:nvPr/>
         </p:nvSpPr>
         <p:spPr>
           <a:xfrm>
             <a:off x="636840" y="965160"/>
-            <a:ext cx="8298360" cy="1101240"/>
+            <a:ext cx="8298000" cy="1100880"/>
           </a:xfrm>
           <a:prstGeom prst="rect">
             <a:avLst/>
@@ -8988,14 +8691,14 @@
       </p:sp>
       <p:sp>
         <p:nvSpPr>
-          <p:cNvPr id="167" name="CustomShape 3"/>
+          <p:cNvPr id="166" name="CustomShape 3"/>
           <p:cNvSpPr/>
           <p:nvPr/>
         </p:nvSpPr>
         <p:spPr>
           <a:xfrm>
             <a:off x="701280" y="2057400"/>
-            <a:ext cx="8169120" cy="1101240"/>
+            <a:ext cx="8168760" cy="1100880"/>
           </a:xfrm>
           <a:prstGeom prst="rect">
             <a:avLst/>
@@ -9079,14 +8782,14 @@
       </p:sp>
       <p:sp>
         <p:nvSpPr>
-          <p:cNvPr id="168" name="CustomShape 4"/>
+          <p:cNvPr id="167" name="CustomShape 4"/>
           <p:cNvSpPr/>
           <p:nvPr/>
         </p:nvSpPr>
         <p:spPr>
           <a:xfrm>
             <a:off x="540360" y="3162240"/>
-            <a:ext cx="8491320" cy="1447560"/>
+            <a:ext cx="8490960" cy="1447200"/>
           </a:xfrm>
           <a:prstGeom prst="rect">
             <a:avLst/>
@@ -9230,7 +8933,7 @@
       </p:grpSpPr>
       <p:pic>
         <p:nvPicPr>
-          <p:cNvPr id="169" name="Picture 1" descr=""/>
+          <p:cNvPr id="168" name="Picture 1" descr=""/>
           <p:cNvPicPr/>
           <p:nvPr/>
         </p:nvPicPr>
@@ -9241,7 +8944,7 @@
         <p:spPr>
           <a:xfrm>
             <a:off x="0" y="0"/>
-            <a:ext cx="9140400" cy="6841800"/>
+            <a:ext cx="9140040" cy="6841440"/>
           </a:xfrm>
           <a:prstGeom prst="rect">
             <a:avLst/>
@@ -9253,14 +8956,14 @@
       </p:pic>
       <p:sp>
         <p:nvSpPr>
-          <p:cNvPr id="170" name="CustomShape 1"/>
+          <p:cNvPr id="169" name="CustomShape 1"/>
           <p:cNvSpPr/>
           <p:nvPr/>
         </p:nvSpPr>
         <p:spPr>
           <a:xfrm>
             <a:off x="3277800" y="431640"/>
-            <a:ext cx="2965680" cy="712800"/>
+            <a:ext cx="2965320" cy="712440"/>
           </a:xfrm>
           <a:prstGeom prst="rect">
             <a:avLst/>
@@ -9314,14 +9017,14 @@
       </p:sp>
       <p:sp>
         <p:nvSpPr>
-          <p:cNvPr id="171" name="CustomShape 2"/>
+          <p:cNvPr id="170" name="CustomShape 2"/>
           <p:cNvSpPr/>
           <p:nvPr/>
         </p:nvSpPr>
         <p:spPr>
           <a:xfrm>
             <a:off x="505080" y="1155600"/>
-            <a:ext cx="8511120" cy="1447560"/>
+            <a:ext cx="8510760" cy="1447200"/>
           </a:xfrm>
           <a:prstGeom prst="rect">
             <a:avLst/>
@@ -9425,14 +9128,14 @@
       </p:sp>
       <p:sp>
         <p:nvSpPr>
-          <p:cNvPr id="172" name="CustomShape 3"/>
+          <p:cNvPr id="171" name="CustomShape 3"/>
           <p:cNvSpPr/>
           <p:nvPr/>
         </p:nvSpPr>
         <p:spPr>
           <a:xfrm>
             <a:off x="885600" y="2247840"/>
-            <a:ext cx="7749720" cy="1469520"/>
+            <a:ext cx="7749360" cy="1469160"/>
           </a:xfrm>
           <a:prstGeom prst="rect">
             <a:avLst/>
@@ -9586,7 +9289,7 @@
       </p:sp>
       <p:pic>
         <p:nvPicPr>
-          <p:cNvPr id="173" name="" descr=""/>
+          <p:cNvPr id="172" name="" descr=""/>
           <p:cNvPicPr/>
           <p:nvPr/>
         </p:nvPicPr>
@@ -9597,7 +9300,7 @@
         <p:spPr>
           <a:xfrm>
             <a:off x="-65160" y="4176000"/>
-            <a:ext cx="16264800" cy="1315440"/>
+            <a:ext cx="16264440" cy="1315080"/>
           </a:xfrm>
           <a:prstGeom prst="rect">
             <a:avLst/>
@@ -9639,7 +9342,7 @@
       </p:grpSpPr>
       <p:pic>
         <p:nvPicPr>
-          <p:cNvPr id="174" name="Picture 1" descr=""/>
+          <p:cNvPr id="173" name="Picture 1" descr=""/>
           <p:cNvPicPr/>
           <p:nvPr/>
         </p:nvPicPr>
@@ -9650,7 +9353,7 @@
         <p:spPr>
           <a:xfrm>
             <a:off x="146160" y="68760"/>
-            <a:ext cx="9140400" cy="6841800"/>
+            <a:ext cx="9140040" cy="6841440"/>
           </a:xfrm>
           <a:prstGeom prst="rect">
             <a:avLst/>
@@ -9662,14 +9365,14 @@
       </p:pic>
       <p:sp>
         <p:nvSpPr>
-          <p:cNvPr id="175" name="CustomShape 1"/>
+          <p:cNvPr id="174" name="CustomShape 1"/>
           <p:cNvSpPr/>
           <p:nvPr/>
         </p:nvSpPr>
         <p:spPr>
           <a:xfrm>
             <a:off x="835920" y="266760"/>
-            <a:ext cx="7785720" cy="1837800"/>
+            <a:ext cx="7785360" cy="1837440"/>
           </a:xfrm>
           <a:prstGeom prst="rect">
             <a:avLst/>
@@ -9813,14 +9516,14 @@
       </p:sp>
       <p:sp>
         <p:nvSpPr>
-          <p:cNvPr id="176" name="CustomShape 2"/>
+          <p:cNvPr id="175" name="CustomShape 2"/>
           <p:cNvSpPr/>
           <p:nvPr/>
         </p:nvSpPr>
         <p:spPr>
           <a:xfrm>
             <a:off x="4127760" y="1943280"/>
-            <a:ext cx="1202400" cy="712800"/>
+            <a:ext cx="1202040" cy="712440"/>
           </a:xfrm>
           <a:prstGeom prst="rect">
             <a:avLst/>
@@ -9894,14 +9597,14 @@
       </p:sp>
       <p:sp>
         <p:nvSpPr>
-          <p:cNvPr id="177" name="CustomShape 3"/>
+          <p:cNvPr id="176" name="CustomShape 3"/>
           <p:cNvSpPr/>
           <p:nvPr/>
         </p:nvSpPr>
         <p:spPr>
           <a:xfrm>
             <a:off x="3288600" y="2489040"/>
-            <a:ext cx="2880720" cy="712800"/>
+            <a:ext cx="2880360" cy="712440"/>
           </a:xfrm>
           <a:prstGeom prst="rect">
             <a:avLst/>
@@ -9975,14 +9678,14 @@
       </p:sp>
       <p:sp>
         <p:nvSpPr>
-          <p:cNvPr id="178" name="CustomShape 4"/>
+          <p:cNvPr id="177" name="CustomShape 4"/>
           <p:cNvSpPr/>
           <p:nvPr/>
         </p:nvSpPr>
         <p:spPr>
           <a:xfrm>
             <a:off x="2131560" y="2857680"/>
-            <a:ext cx="5194440" cy="1634760"/>
+            <a:ext cx="5194080" cy="1634400"/>
           </a:xfrm>
           <a:prstGeom prst="rect">
             <a:avLst/>
@@ -10096,14 +9799,14 @@
       </p:sp>
       <p:sp>
         <p:nvSpPr>
-          <p:cNvPr id="179" name="CustomShape 5"/>
+          <p:cNvPr id="178" name="CustomShape 5"/>
           <p:cNvSpPr/>
           <p:nvPr/>
         </p:nvSpPr>
         <p:spPr>
           <a:xfrm>
             <a:off x="3822840" y="4127400"/>
-            <a:ext cx="1812240" cy="712800"/>
+            <a:ext cx="1811880" cy="712440"/>
           </a:xfrm>
           <a:prstGeom prst="rect">
             <a:avLst/>
@@ -10167,14 +9870,14 @@
       </p:sp>
       <p:sp>
         <p:nvSpPr>
-          <p:cNvPr id="180" name="CustomShape 6"/>
+          <p:cNvPr id="179" name="CustomShape 6"/>
           <p:cNvSpPr/>
           <p:nvPr/>
         </p:nvSpPr>
         <p:spPr>
           <a:xfrm>
             <a:off x="1174320" y="4686480"/>
-            <a:ext cx="7109280" cy="712800"/>
+            <a:ext cx="7108920" cy="712440"/>
           </a:xfrm>
           <a:prstGeom prst="rect">
             <a:avLst/>
@@ -10238,14 +9941,14 @@
       </p:sp>
       <p:sp>
         <p:nvSpPr>
-          <p:cNvPr id="181" name="CustomShape 7"/>
+          <p:cNvPr id="180" name="CustomShape 7"/>
           <p:cNvSpPr/>
           <p:nvPr/>
         </p:nvSpPr>
         <p:spPr>
           <a:xfrm>
             <a:off x="916560" y="5626080"/>
-            <a:ext cx="7624800" cy="1101240"/>
+            <a:ext cx="7624440" cy="1100880"/>
           </a:xfrm>
           <a:prstGeom prst="rect">
             <a:avLst/>
@@ -10389,14 +10092,14 @@
       </p:grpSpPr>
       <p:sp>
         <p:nvSpPr>
-          <p:cNvPr id="182" name="CustomShape 1"/>
+          <p:cNvPr id="181" name="CustomShape 1"/>
           <p:cNvSpPr/>
           <p:nvPr/>
         </p:nvSpPr>
         <p:spPr>
           <a:xfrm>
             <a:off x="585360" y="517320"/>
-            <a:ext cx="4020120" cy="344160"/>
+            <a:ext cx="4019760" cy="343800"/>
           </a:xfrm>
           <a:prstGeom prst="rect">
             <a:avLst/>
@@ -10440,7 +10143,7 @@
       </p:sp>
       <p:pic>
         <p:nvPicPr>
-          <p:cNvPr id="183" name="" descr=""/>
+          <p:cNvPr id="182" name="" descr=""/>
           <p:cNvPicPr/>
           <p:nvPr/>
         </p:nvPicPr>
@@ -10451,7 +10154,7 @@
         <p:spPr>
           <a:xfrm>
             <a:off x="-69480" y="1440000"/>
-            <a:ext cx="9141120" cy="5021280"/>
+            <a:ext cx="9140760" cy="5020920"/>
           </a:xfrm>
           <a:prstGeom prst="rect">
             <a:avLst/>
@@ -10500,7 +10203,7 @@
         <p:spPr>
           <a:xfrm>
             <a:off x="204480" y="405720"/>
-            <a:ext cx="7714080" cy="2904840"/>
+            <a:ext cx="7713720" cy="2904480"/>
           </a:xfrm>
           <a:prstGeom prst="rect">
             <a:avLst/>
@@ -10781,7 +10484,7 @@
         <p:spPr>
           <a:xfrm>
             <a:off x="467640" y="72000"/>
-            <a:ext cx="8205480" cy="1458720"/>
+            <a:ext cx="8205120" cy="1458360"/>
           </a:xfrm>
           <a:prstGeom prst="rect">
             <a:avLst/>
@@ -10828,10 +10531,11 @@
               </a:lnSpc>
             </a:pPr>
             <a:r>
-              <a:rPr b="0" lang="en-US" sz="1600" spc="-1" strike="noStrike">
-                <a:solidFill>
-                  <a:srgbClr val="000000"/>
-                </a:solidFill>
+              <a:rPr b="0" lang="en-US" sz="1600" spc="-1" strike="noStrike" u="sng">
+                <a:solidFill>
+                  <a:srgbClr val="0000ff"/>
+                </a:solidFill>
+                <a:uFillTx/>
                 <a:latin typeface="Calibri"/>
                 <a:ea typeface="DejaVu Sans"/>
                 <a:hlinkClick r:id="rId1"/>
@@ -11237,7 +10941,7 @@
         <p:spPr>
           <a:xfrm>
             <a:off x="1584000" y="-1152000"/>
-            <a:ext cx="7116480" cy="5326560"/>
+            <a:ext cx="7116120" cy="5326200"/>
           </a:xfrm>
           <a:prstGeom prst="rect">
             <a:avLst/>
@@ -11256,7 +10960,7 @@
         <p:spPr>
           <a:xfrm>
             <a:off x="2541960" y="648000"/>
-            <a:ext cx="2498040" cy="712800"/>
+            <a:ext cx="2497680" cy="712440"/>
           </a:xfrm>
           <a:prstGeom prst="rect">
             <a:avLst/>
@@ -11317,7 +11021,7 @@
         <p:spPr>
           <a:xfrm>
             <a:off x="204120" y="1008000"/>
-            <a:ext cx="8794440" cy="1818000"/>
+            <a:ext cx="8794080" cy="1817640"/>
           </a:xfrm>
           <a:prstGeom prst="rect">
             <a:avLst/>
@@ -11468,7 +11172,7 @@
         <p:spPr>
           <a:xfrm>
             <a:off x="944280" y="3301920"/>
-            <a:ext cx="7403760" cy="712800"/>
+            <a:ext cx="7403400" cy="712440"/>
           </a:xfrm>
           <a:prstGeom prst="rect">
             <a:avLst/>
@@ -11519,7 +11223,7 @@
         <p:spPr>
           <a:xfrm>
             <a:off x="189720" y="3657600"/>
-            <a:ext cx="9038160" cy="1814040"/>
+            <a:ext cx="9037800" cy="1813680"/>
           </a:xfrm>
           <a:prstGeom prst="rect">
             <a:avLst/>
@@ -11650,7 +11354,7 @@
         <p:spPr>
           <a:xfrm>
             <a:off x="144000" y="4801320"/>
-            <a:ext cx="8329680" cy="1101240"/>
+            <a:ext cx="8329320" cy="1100880"/>
           </a:xfrm>
           <a:prstGeom prst="rect">
             <a:avLst/>
@@ -11821,7 +11525,7 @@
         <p:spPr>
           <a:xfrm>
             <a:off x="72000" y="6125760"/>
-            <a:ext cx="8902440" cy="856800"/>
+            <a:ext cx="8902080" cy="856440"/>
           </a:xfrm>
           <a:prstGeom prst="rect">
             <a:avLst/>
@@ -11906,7 +11610,7 @@
         <p:spPr>
           <a:xfrm>
             <a:off x="0" y="-76320"/>
-            <a:ext cx="9140400" cy="6841800"/>
+            <a:ext cx="9140040" cy="6841440"/>
           </a:xfrm>
           <a:prstGeom prst="rect">
             <a:avLst/>
@@ -11925,7 +11629,7 @@
         <p:spPr>
           <a:xfrm>
             <a:off x="595080" y="266760"/>
-            <a:ext cx="8009280" cy="911160"/>
+            <a:ext cx="8008920" cy="910800"/>
           </a:xfrm>
           <a:prstGeom prst="rect">
             <a:avLst/>
@@ -12076,7 +11780,7 @@
         <p:spPr>
           <a:xfrm>
             <a:off x="612360" y="876240"/>
-            <a:ext cx="8118720" cy="1216080"/>
+            <a:ext cx="8118360" cy="1215720"/>
           </a:xfrm>
           <a:prstGeom prst="rect">
             <a:avLst/>
@@ -12397,7 +12101,7 @@
         <p:spPr>
           <a:xfrm>
             <a:off x="780120" y="1790640"/>
-            <a:ext cx="7782840" cy="1216080"/>
+            <a:ext cx="7782480" cy="1215720"/>
           </a:xfrm>
           <a:prstGeom prst="rect">
             <a:avLst/>
@@ -12519,7 +12223,7 @@
         <p:spPr>
           <a:xfrm>
             <a:off x="555120" y="2705040"/>
-            <a:ext cx="8233200" cy="3350520"/>
+            <a:ext cx="8232840" cy="3350160"/>
           </a:xfrm>
           <a:prstGeom prst="rect">
             <a:avLst/>
@@ -12800,7 +12504,7 @@
         <p:spPr>
           <a:xfrm>
             <a:off x="288000" y="187560"/>
-            <a:ext cx="7921440" cy="1825920"/>
+            <a:ext cx="7921080" cy="1825560"/>
           </a:xfrm>
           <a:prstGeom prst="rect">
             <a:avLst/>
@@ -13071,7 +12775,7 @@
         <p:spPr>
           <a:xfrm>
             <a:off x="288000" y="1924200"/>
-            <a:ext cx="4115880" cy="593280"/>
+            <a:ext cx="4115520" cy="592920"/>
           </a:xfrm>
           <a:prstGeom prst="rect">
             <a:avLst/>
@@ -13132,7 +12836,7 @@
         <p:spPr>
           <a:xfrm>
             <a:off x="528120" y="2083680"/>
-            <a:ext cx="7027920" cy="593280"/>
+            <a:ext cx="7027560" cy="592920"/>
           </a:xfrm>
           <a:prstGeom prst="rect">
             <a:avLst/>
@@ -13243,7 +12947,7 @@
         <p:spPr>
           <a:xfrm>
             <a:off x="288000" y="2480040"/>
-            <a:ext cx="8067960" cy="3350520"/>
+            <a:ext cx="8067600" cy="3350160"/>
           </a:xfrm>
           <a:prstGeom prst="rect">
             <a:avLst/>
@@ -13554,7 +13258,7 @@
         <p:spPr>
           <a:xfrm>
             <a:off x="367560" y="5640480"/>
-            <a:ext cx="6327000" cy="1216080"/>
+            <a:ext cx="6326640" cy="1215720"/>
           </a:xfrm>
           <a:prstGeom prst="rect">
             <a:avLst/>
@@ -13765,7 +13469,7 @@
         <p:spPr>
           <a:xfrm>
             <a:off x="432000" y="360000"/>
-            <a:ext cx="8277480" cy="1879560"/>
+            <a:ext cx="8277120" cy="1879200"/>
           </a:xfrm>
           <a:prstGeom prst="rect">
             <a:avLst/>
@@ -13970,7 +13674,7 @@
         <p:spPr>
           <a:xfrm>
             <a:off x="0" y="0"/>
-            <a:ext cx="9140400" cy="6841800"/>
+            <a:ext cx="9140040" cy="6841440"/>
           </a:xfrm>
           <a:prstGeom prst="rect">
             <a:avLst/>
@@ -13989,7 +13693,7 @@
         <p:spPr>
           <a:xfrm>
             <a:off x="3343320" y="177840"/>
-            <a:ext cx="2809080" cy="712800"/>
+            <a:ext cx="2808720" cy="712440"/>
           </a:xfrm>
           <a:prstGeom prst="rect">
             <a:avLst/>
@@ -14050,7 +13754,7 @@
         <p:spPr>
           <a:xfrm>
             <a:off x="604080" y="546120"/>
-            <a:ext cx="8287560" cy="1482480"/>
+            <a:ext cx="8287200" cy="1482120"/>
           </a:xfrm>
           <a:prstGeom prst="rect">
             <a:avLst/>
@@ -14141,7 +13845,7 @@
         <p:spPr>
           <a:xfrm>
             <a:off x="1131480" y="1523880"/>
-            <a:ext cx="7232760" cy="1482480"/>
+            <a:ext cx="7232400" cy="1482120"/>
           </a:xfrm>
           <a:prstGeom prst="rect">
             <a:avLst/>
@@ -14232,7 +13936,7 @@
         <p:spPr>
           <a:xfrm>
             <a:off x="251640" y="2514600"/>
-            <a:ext cx="8709480" cy="4066560"/>
+            <a:ext cx="8709120" cy="4066200"/>
           </a:xfrm>
           <a:prstGeom prst="rect">
             <a:avLst/>
@@ -14503,7 +14207,7 @@
         <p:spPr>
           <a:xfrm>
             <a:off x="1727280" y="3479760"/>
-            <a:ext cx="96120" cy="504360"/>
+            <a:ext cx="95760" cy="504000"/>
           </a:xfrm>
           <a:prstGeom prst="rect">
             <a:avLst/>
@@ -14554,7 +14258,7 @@
         <p:spPr>
           <a:xfrm>
             <a:off x="32040" y="4508280"/>
-            <a:ext cx="360" cy="713520"/>
+            <a:ext cx="360" cy="713160"/>
           </a:xfrm>
           <a:prstGeom prst="rect">
             <a:avLst/>

--- a/2_Linux_kernel_config.pptx
+++ b/2_Linux_kernel_config.pptx
@@ -2785,7 +2785,7 @@
         <p:spPr>
           <a:xfrm>
             <a:off x="457200" y="273600"/>
-            <a:ext cx="8228880" cy="1144440"/>
+            <a:ext cx="8229240" cy="1144800"/>
           </a:xfrm>
           <a:prstGeom prst="rect">
             <a:avLst/>
@@ -2796,13 +2796,14 @@
             <a:noAutofit/>
           </a:bodyPr>
           <a:p>
-            <a:r>
-              <a:rPr b="0" lang="en-IN" sz="1800" spc="-1" strike="noStrike">
+            <a:pPr algn="ctr"/>
+            <a:r>
+              <a:rPr b="0" lang="en-IN" sz="4400" spc="-1" strike="noStrike">
                 <a:latin typeface="Arial"/>
               </a:rPr>
               <a:t>Click to edit the title text format</a:t>
             </a:r>
-            <a:endParaRPr b="0" lang="en-IN" sz="1800" spc="-1" strike="noStrike">
+            <a:endParaRPr b="0" lang="en-IN" sz="4400" spc="-1" strike="noStrike">
               <a:latin typeface="Arial"/>
             </a:endParaRPr>
           </a:p>
@@ -2821,7 +2822,7 @@
         <p:spPr>
           <a:xfrm>
             <a:off x="457200" y="1604520"/>
-            <a:ext cx="8228880" cy="3976920"/>
+            <a:ext cx="8229240" cy="3977280"/>
           </a:xfrm>
           <a:prstGeom prst="rect">
             <a:avLst/>
@@ -2844,12 +2845,12 @@
               <a:buChar char=""/>
             </a:pPr>
             <a:r>
-              <a:rPr b="0" lang="en-IN" sz="1800" spc="-1" strike="noStrike">
+              <a:rPr b="0" lang="en-IN" sz="3200" spc="-1" strike="noStrike">
                 <a:latin typeface="Arial"/>
               </a:rPr>
               <a:t>Click to edit the outline text format</a:t>
             </a:r>
-            <a:endParaRPr b="0" lang="en-IN" sz="1800" spc="-1" strike="noStrike">
+            <a:endParaRPr b="0" lang="en-IN" sz="3200" spc="-1" strike="noStrike">
               <a:latin typeface="Arial"/>
             </a:endParaRPr>
           </a:p>
@@ -2866,12 +2867,12 @@
               <a:buChar char=""/>
             </a:pPr>
             <a:r>
-              <a:rPr b="0" lang="en-IN" sz="1800" spc="-1" strike="noStrike">
+              <a:rPr b="0" lang="en-IN" sz="2800" spc="-1" strike="noStrike">
                 <a:latin typeface="Arial"/>
               </a:rPr>
               <a:t>Second Outline Level</a:t>
             </a:r>
-            <a:endParaRPr b="0" lang="en-IN" sz="1800" spc="-1" strike="noStrike">
+            <a:endParaRPr b="0" lang="en-IN" sz="2800" spc="-1" strike="noStrike">
               <a:latin typeface="Arial"/>
             </a:endParaRPr>
           </a:p>
@@ -2888,12 +2889,12 @@
               <a:buChar char=""/>
             </a:pPr>
             <a:r>
-              <a:rPr b="0" lang="en-IN" sz="1800" spc="-1" strike="noStrike">
+              <a:rPr b="0" lang="en-IN" sz="2400" spc="-1" strike="noStrike">
                 <a:latin typeface="Arial"/>
               </a:rPr>
               <a:t>Third Outline Level</a:t>
             </a:r>
-            <a:endParaRPr b="0" lang="en-IN" sz="1800" spc="-1" strike="noStrike">
+            <a:endParaRPr b="0" lang="en-IN" sz="2400" spc="-1" strike="noStrike">
               <a:latin typeface="Arial"/>
             </a:endParaRPr>
           </a:p>
@@ -2910,12 +2911,12 @@
               <a:buChar char=""/>
             </a:pPr>
             <a:r>
-              <a:rPr b="0" lang="en-IN" sz="1800" spc="-1" strike="noStrike">
+              <a:rPr b="0" lang="en-IN" sz="2000" spc="-1" strike="noStrike">
                 <a:latin typeface="Arial"/>
               </a:rPr>
               <a:t>Fourth Outline Level</a:t>
             </a:r>
-            <a:endParaRPr b="0" lang="en-IN" sz="1800" spc="-1" strike="noStrike">
+            <a:endParaRPr b="0" lang="en-IN" sz="2000" spc="-1" strike="noStrike">
               <a:latin typeface="Arial"/>
             </a:endParaRPr>
           </a:p>
@@ -2932,12 +2933,12 @@
               <a:buChar char=""/>
             </a:pPr>
             <a:r>
-              <a:rPr b="0" lang="en-IN" sz="1800" spc="-1" strike="noStrike">
+              <a:rPr b="0" lang="en-IN" sz="2000" spc="-1" strike="noStrike">
                 <a:latin typeface="Arial"/>
               </a:rPr>
               <a:t>Fifth Outline Level</a:t>
             </a:r>
-            <a:endParaRPr b="0" lang="en-IN" sz="1800" spc="-1" strike="noStrike">
+            <a:endParaRPr b="0" lang="en-IN" sz="2000" spc="-1" strike="noStrike">
               <a:latin typeface="Arial"/>
             </a:endParaRPr>
           </a:p>
@@ -2954,12 +2955,12 @@
               <a:buChar char=""/>
             </a:pPr>
             <a:r>
-              <a:rPr b="0" lang="en-IN" sz="1800" spc="-1" strike="noStrike">
+              <a:rPr b="0" lang="en-IN" sz="2000" spc="-1" strike="noStrike">
                 <a:latin typeface="Arial"/>
               </a:rPr>
               <a:t>Sixth Outline Level</a:t>
             </a:r>
-            <a:endParaRPr b="0" lang="en-IN" sz="1800" spc="-1" strike="noStrike">
+            <a:endParaRPr b="0" lang="en-IN" sz="2000" spc="-1" strike="noStrike">
               <a:latin typeface="Arial"/>
             </a:endParaRPr>
           </a:p>
@@ -2976,12 +2977,12 @@
               <a:buChar char=""/>
             </a:pPr>
             <a:r>
-              <a:rPr b="0" lang="en-IN" sz="1800" spc="-1" strike="noStrike">
+              <a:rPr b="0" lang="en-IN" sz="2000" spc="-1" strike="noStrike">
                 <a:latin typeface="Arial"/>
               </a:rPr>
               <a:t>Seventh Outline Level</a:t>
             </a:r>
-            <a:endParaRPr b="0" lang="en-IN" sz="1800" spc="-1" strike="noStrike">
+            <a:endParaRPr b="0" lang="en-IN" sz="2000" spc="-1" strike="noStrike">
               <a:latin typeface="Arial"/>
             </a:endParaRPr>
           </a:p>
@@ -3297,7 +3298,7 @@
         <p:spPr>
           <a:xfrm>
             <a:off x="0" y="0"/>
-            <a:ext cx="9140040" cy="6841440"/>
+            <a:ext cx="9139680" cy="6841080"/>
           </a:xfrm>
           <a:prstGeom prst="rect">
             <a:avLst/>
@@ -3350,7 +3351,7 @@
         <p:spPr>
           <a:xfrm>
             <a:off x="0" y="0"/>
-            <a:ext cx="9140040" cy="6841440"/>
+            <a:ext cx="9139680" cy="6841080"/>
           </a:xfrm>
           <a:prstGeom prst="rect">
             <a:avLst/>
@@ -3369,7 +3370,7 @@
         <p:spPr>
           <a:xfrm>
             <a:off x="3182400" y="380880"/>
-            <a:ext cx="3092400" cy="712440"/>
+            <a:ext cx="3092040" cy="712080"/>
           </a:xfrm>
           <a:prstGeom prst="rect">
             <a:avLst/>
@@ -3430,7 +3431,7 @@
         <p:spPr>
           <a:xfrm>
             <a:off x="1018080" y="1371600"/>
-            <a:ext cx="7421040" cy="712440"/>
+            <a:ext cx="7420680" cy="712080"/>
           </a:xfrm>
           <a:prstGeom prst="rect">
             <a:avLst/>
@@ -3491,7 +3492,7 @@
         <p:spPr>
           <a:xfrm>
             <a:off x="1870200" y="1866960"/>
-            <a:ext cx="5717160" cy="712440"/>
+            <a:ext cx="5716800" cy="712080"/>
           </a:xfrm>
           <a:prstGeom prst="rect">
             <a:avLst/>
@@ -3552,7 +3553,7 @@
         <p:spPr>
           <a:xfrm>
             <a:off x="881280" y="2235240"/>
-            <a:ext cx="7695000" cy="1482120"/>
+            <a:ext cx="7694640" cy="1481760"/>
           </a:xfrm>
           <a:prstGeom prst="rect">
             <a:avLst/>
@@ -3643,7 +3644,7 @@
         <p:spPr>
           <a:xfrm>
             <a:off x="2056680" y="3225960"/>
-            <a:ext cx="5344200" cy="1482120"/>
+            <a:ext cx="5343840" cy="1481760"/>
           </a:xfrm>
           <a:prstGeom prst="rect">
             <a:avLst/>
@@ -3744,7 +3745,7 @@
         <p:spPr>
           <a:xfrm>
             <a:off x="3786120" y="4330800"/>
-            <a:ext cx="1885320" cy="712440"/>
+            <a:ext cx="1884960" cy="712080"/>
           </a:xfrm>
           <a:prstGeom prst="rect">
             <a:avLst/>
@@ -3805,7 +3806,7 @@
         <p:spPr>
           <a:xfrm>
             <a:off x="3203280" y="4813200"/>
-            <a:ext cx="3508200" cy="712440"/>
+            <a:ext cx="3507840" cy="712080"/>
           </a:xfrm>
           <a:prstGeom prst="rect">
             <a:avLst/>
@@ -3866,7 +3867,7 @@
         <p:spPr>
           <a:xfrm>
             <a:off x="3055320" y="5308560"/>
-            <a:ext cx="3803760" cy="712440"/>
+            <a:ext cx="3803400" cy="712080"/>
           </a:xfrm>
           <a:prstGeom prst="rect">
             <a:avLst/>
@@ -3957,7 +3958,7 @@
         <p:spPr>
           <a:xfrm>
             <a:off x="72000" y="165600"/>
-            <a:ext cx="9069480" cy="6014880"/>
+            <a:ext cx="9069120" cy="6014520"/>
           </a:xfrm>
           <a:prstGeom prst="rect">
             <a:avLst/>
@@ -4518,7 +4519,7 @@
         <p:spPr>
           <a:xfrm>
             <a:off x="3717000" y="355680"/>
-            <a:ext cx="2086920" cy="712440"/>
+            <a:ext cx="2086560" cy="712080"/>
           </a:xfrm>
           <a:prstGeom prst="rect">
             <a:avLst/>
@@ -4579,7 +4580,7 @@
         <p:spPr>
           <a:xfrm>
             <a:off x="72000" y="792000"/>
-            <a:ext cx="8123760" cy="928440"/>
+            <a:ext cx="8123400" cy="928080"/>
           </a:xfrm>
           <a:prstGeom prst="rect">
             <a:avLst/>
@@ -4650,7 +4651,7 @@
         <p:spPr>
           <a:xfrm>
             <a:off x="444240" y="1447920"/>
-            <a:ext cx="8632080" cy="1447200"/>
+            <a:ext cx="8631720" cy="1446840"/>
           </a:xfrm>
           <a:prstGeom prst="rect">
             <a:avLst/>
@@ -4701,7 +4702,7 @@
         <p:spPr>
           <a:xfrm>
             <a:off x="264960" y="555120"/>
-            <a:ext cx="8663040" cy="3260880"/>
+            <a:ext cx="8662680" cy="3260520"/>
           </a:xfrm>
           <a:prstGeom prst="rect">
             <a:avLst/>
@@ -4727,7 +4728,7 @@
         <p:spPr>
           <a:xfrm>
             <a:off x="667800" y="3276720"/>
-            <a:ext cx="8185320" cy="1073160"/>
+            <a:ext cx="8184960" cy="1072800"/>
           </a:xfrm>
           <a:prstGeom prst="rect">
             <a:avLst/>
@@ -4753,7 +4754,7 @@
         <p:spPr>
           <a:xfrm>
             <a:off x="47880" y="2239560"/>
-            <a:ext cx="816120" cy="712440"/>
+            <a:ext cx="815760" cy="712080"/>
           </a:xfrm>
           <a:prstGeom prst="rect">
             <a:avLst/>
@@ -4814,7 +4815,7 @@
         <p:spPr>
           <a:xfrm>
             <a:off x="216000" y="2466000"/>
-            <a:ext cx="8640000" cy="1100880"/>
+            <a:ext cx="8639640" cy="1100520"/>
           </a:xfrm>
           <a:prstGeom prst="rect">
             <a:avLst/>
@@ -4905,7 +4906,7 @@
         <p:spPr>
           <a:xfrm>
             <a:off x="360000" y="4623480"/>
-            <a:ext cx="7990200" cy="344520"/>
+            <a:ext cx="7989840" cy="344160"/>
           </a:xfrm>
           <a:prstGeom prst="rect">
             <a:avLst/>
@@ -4949,14 +4950,14 @@
       </p:sp>
       <p:sp>
         <p:nvSpPr>
-          <p:cNvPr id="129" name="TextShape 9"/>
-          <p:cNvSpPr txBox="1"/>
+          <p:cNvPr id="129" name="CustomShape 9"/>
+          <p:cNvSpPr/>
           <p:nvPr/>
         </p:nvSpPr>
         <p:spPr>
           <a:xfrm>
             <a:off x="0" y="936000"/>
-            <a:ext cx="8892000" cy="1352160"/>
+            <a:ext cx="8891640" cy="1351800"/>
           </a:xfrm>
           <a:prstGeom prst="rect">
             <a:avLst/>
@@ -4966,11 +4967,22 @@
             <a:noFill/>
           </a:ln>
         </p:spPr>
+        <p:style>
+          <a:lnRef idx="0"/>
+          <a:fillRef idx="0"/>
+          <a:effectRef idx="0"/>
+          <a:fontRef idx="minor"/>
+        </p:style>
         <p:txBody>
           <a:bodyPr lIns="90000" rIns="90000" tIns="45000" bIns="45000">
             <a:noAutofit/>
           </a:bodyPr>
           <a:p>
+            <a:pPr>
+              <a:lnSpc>
+                <a:spcPct val="100000"/>
+              </a:lnSpc>
+            </a:pPr>
             <a:r>
               <a:rPr b="0" lang="en-US" sz="2230" spc="-1" strike="noStrike">
                 <a:solidFill>
@@ -4986,6 +4998,11 @@
             </a:endParaRPr>
           </a:p>
           <a:p>
+            <a:pPr>
+              <a:lnSpc>
+                <a:spcPct val="100000"/>
+              </a:lnSpc>
+            </a:pPr>
             <a:r>
               <a:rPr b="0" lang="en-US" sz="2230" spc="-1" strike="noStrike">
                 <a:solidFill>
@@ -5001,6 +5018,11 @@
             </a:endParaRPr>
           </a:p>
           <a:p>
+            <a:pPr>
+              <a:lnSpc>
+                <a:spcPct val="100000"/>
+              </a:lnSpc>
+            </a:pPr>
             <a:r>
               <a:rPr b="0" lang="en-US" sz="2230" spc="-1" strike="noStrike">
                 <a:solidFill>
@@ -5019,14 +5041,14 @@
       </p:sp>
       <p:sp>
         <p:nvSpPr>
-          <p:cNvPr id="130" name="TextShape 10"/>
-          <p:cNvSpPr txBox="1"/>
+          <p:cNvPr id="130" name="CustomShape 10"/>
+          <p:cNvSpPr/>
           <p:nvPr/>
         </p:nvSpPr>
         <p:spPr>
           <a:xfrm>
             <a:off x="93240" y="3133440"/>
-            <a:ext cx="8906760" cy="1351800"/>
+            <a:ext cx="8906400" cy="1351440"/>
           </a:xfrm>
           <a:prstGeom prst="rect">
             <a:avLst/>
@@ -5036,11 +5058,22 @@
             <a:noFill/>
           </a:ln>
         </p:spPr>
+        <p:style>
+          <a:lnRef idx="0"/>
+          <a:fillRef idx="0"/>
+          <a:effectRef idx="0"/>
+          <a:fontRef idx="minor"/>
+        </p:style>
         <p:txBody>
           <a:bodyPr lIns="90000" rIns="90000" tIns="45000" bIns="45000">
             <a:noAutofit/>
           </a:bodyPr>
           <a:p>
+            <a:pPr>
+              <a:lnSpc>
+                <a:spcPct val="100000"/>
+              </a:lnSpc>
+            </a:pPr>
             <a:r>
               <a:rPr b="0" lang="en-US" sz="2230" spc="-1" strike="noStrike">
                 <a:solidFill>
@@ -5096,7 +5129,7 @@
         <p:spPr>
           <a:xfrm>
             <a:off x="1822680" y="279360"/>
-            <a:ext cx="6385320" cy="712440"/>
+            <a:ext cx="6384960" cy="712080"/>
           </a:xfrm>
           <a:prstGeom prst="rect">
             <a:avLst/>
@@ -5147,7 +5180,7 @@
         <p:spPr>
           <a:xfrm>
             <a:off x="549360" y="635040"/>
-            <a:ext cx="8130240" cy="1469160"/>
+            <a:ext cx="8129880" cy="1468800"/>
           </a:xfrm>
           <a:prstGeom prst="rect">
             <a:avLst/>
@@ -5258,7 +5291,7 @@
         <p:spPr>
           <a:xfrm>
             <a:off x="3017880" y="1728000"/>
-            <a:ext cx="3030120" cy="714240"/>
+            <a:ext cx="3029760" cy="713880"/>
           </a:xfrm>
           <a:prstGeom prst="rect">
             <a:avLst/>
@@ -5319,7 +5352,7 @@
         <p:spPr>
           <a:xfrm>
             <a:off x="288000" y="2304000"/>
-            <a:ext cx="7831080" cy="712440"/>
+            <a:ext cx="7830720" cy="712080"/>
           </a:xfrm>
           <a:prstGeom prst="rect">
             <a:avLst/>
@@ -5380,7 +5413,7 @@
         <p:spPr>
           <a:xfrm>
             <a:off x="4159440" y="2476440"/>
-            <a:ext cx="910080" cy="712440"/>
+            <a:ext cx="909720" cy="712080"/>
           </a:xfrm>
           <a:prstGeom prst="rect">
             <a:avLst/>
@@ -5441,7 +5474,7 @@
         <p:spPr>
           <a:xfrm>
             <a:off x="358200" y="2832120"/>
-            <a:ext cx="8512560" cy="1100880"/>
+            <a:ext cx="8512200" cy="1100520"/>
           </a:xfrm>
           <a:prstGeom prst="rect">
             <a:avLst/>
@@ -5532,7 +5565,7 @@
         <p:spPr>
           <a:xfrm>
             <a:off x="3686760" y="3568680"/>
-            <a:ext cx="1855080" cy="712440"/>
+            <a:ext cx="1854720" cy="712080"/>
           </a:xfrm>
           <a:prstGeom prst="rect">
             <a:avLst/>
@@ -5593,7 +5626,7 @@
         <p:spPr>
           <a:xfrm>
             <a:off x="392040" y="3867120"/>
-            <a:ext cx="8103960" cy="1100880"/>
+            <a:ext cx="8103600" cy="1100520"/>
           </a:xfrm>
           <a:prstGeom prst="rect">
             <a:avLst/>
@@ -5684,7 +5717,7 @@
         <p:spPr>
           <a:xfrm>
             <a:off x="2347200" y="4673520"/>
-            <a:ext cx="4534200" cy="712440"/>
+            <a:ext cx="4533840" cy="712080"/>
           </a:xfrm>
           <a:prstGeom prst="rect">
             <a:avLst/>
@@ -5755,7 +5788,7 @@
         <p:spPr>
           <a:xfrm>
             <a:off x="129600" y="5041800"/>
-            <a:ext cx="8139960" cy="1063800"/>
+            <a:ext cx="8139600" cy="1063440"/>
           </a:xfrm>
           <a:prstGeom prst="rect">
             <a:avLst/>
@@ -5836,7 +5869,7 @@
         <p:spPr>
           <a:xfrm>
             <a:off x="288000" y="5581800"/>
-            <a:ext cx="8638200" cy="1112400"/>
+            <a:ext cx="8637840" cy="1112040"/>
           </a:xfrm>
           <a:prstGeom prst="rect">
             <a:avLst/>
@@ -5951,7 +5984,7 @@
         <p:spPr>
           <a:xfrm>
             <a:off x="0" y="0"/>
-            <a:ext cx="9140040" cy="6841440"/>
+            <a:ext cx="9139680" cy="6841080"/>
           </a:xfrm>
           <a:prstGeom prst="rect">
             <a:avLst/>
@@ -5970,7 +6003,7 @@
         <p:spPr>
           <a:xfrm>
             <a:off x="4573800" y="203040"/>
-            <a:ext cx="3053160" cy="712440"/>
+            <a:ext cx="3052800" cy="712080"/>
           </a:xfrm>
           <a:prstGeom prst="rect">
             <a:avLst/>
@@ -6031,7 +6064,7 @@
         <p:spPr>
           <a:xfrm>
             <a:off x="3956040" y="901800"/>
-            <a:ext cx="1672200" cy="592920"/>
+            <a:ext cx="1671840" cy="592560"/>
           </a:xfrm>
           <a:prstGeom prst="rect">
             <a:avLst/>
@@ -6092,7 +6125,7 @@
         <p:spPr>
           <a:xfrm>
             <a:off x="4280400" y="1498680"/>
-            <a:ext cx="1543680" cy="592920"/>
+            <a:ext cx="1543320" cy="592560"/>
           </a:xfrm>
           <a:prstGeom prst="rect">
             <a:avLst/>
@@ -6153,7 +6186,7 @@
         <p:spPr>
           <a:xfrm>
             <a:off x="4412880" y="2565360"/>
-            <a:ext cx="1889280" cy="592920"/>
+            <a:ext cx="1888920" cy="592560"/>
           </a:xfrm>
           <a:prstGeom prst="rect">
             <a:avLst/>
@@ -6214,7 +6247,7 @@
         <p:spPr>
           <a:xfrm>
             <a:off x="4641480" y="3632040"/>
-            <a:ext cx="1889280" cy="592920"/>
+            <a:ext cx="1888920" cy="592560"/>
           </a:xfrm>
           <a:prstGeom prst="rect">
             <a:avLst/>
@@ -6275,7 +6308,7 @@
         <p:spPr>
           <a:xfrm>
             <a:off x="5636880" y="4699080"/>
-            <a:ext cx="673200" cy="592920"/>
+            <a:ext cx="672840" cy="592560"/>
           </a:xfrm>
           <a:prstGeom prst="rect">
             <a:avLst/>
@@ -6336,7 +6369,7 @@
         <p:spPr>
           <a:xfrm>
             <a:off x="5932080" y="5765760"/>
-            <a:ext cx="311400" cy="592920"/>
+            <a:ext cx="311040" cy="592560"/>
           </a:xfrm>
           <a:prstGeom prst="rect">
             <a:avLst/>
@@ -6397,7 +6430,7 @@
         <p:spPr>
           <a:xfrm>
             <a:off x="7000920" y="1498680"/>
-            <a:ext cx="1881720" cy="592920"/>
+            <a:ext cx="1881360" cy="592560"/>
           </a:xfrm>
           <a:prstGeom prst="rect">
             <a:avLst/>
@@ -6458,7 +6491,7 @@
         <p:spPr>
           <a:xfrm>
             <a:off x="6908400" y="2565360"/>
-            <a:ext cx="2079360" cy="592920"/>
+            <a:ext cx="2079000" cy="592560"/>
           </a:xfrm>
           <a:prstGeom prst="rect">
             <a:avLst/>
@@ -6519,7 +6552,7 @@
         <p:spPr>
           <a:xfrm>
             <a:off x="7141320" y="3632040"/>
-            <a:ext cx="1690200" cy="592920"/>
+            <a:ext cx="1689840" cy="592560"/>
           </a:xfrm>
           <a:prstGeom prst="rect">
             <a:avLst/>
@@ -6580,7 +6613,7 @@
         <p:spPr>
           <a:xfrm>
             <a:off x="7707240" y="4699080"/>
-            <a:ext cx="558360" cy="592920"/>
+            <a:ext cx="558000" cy="592560"/>
           </a:xfrm>
           <a:prstGeom prst="rect">
             <a:avLst/>
@@ -6641,7 +6674,7 @@
         <p:spPr>
           <a:xfrm>
             <a:off x="7455960" y="5765760"/>
-            <a:ext cx="1212480" cy="592920"/>
+            <a:ext cx="1212120" cy="592560"/>
           </a:xfrm>
           <a:prstGeom prst="rect">
             <a:avLst/>
@@ -6702,7 +6735,7 @@
         <p:spPr>
           <a:xfrm>
             <a:off x="5283000" y="5892840"/>
-            <a:ext cx="1025280" cy="584280"/>
+            <a:ext cx="1024920" cy="583920"/>
           </a:xfrm>
           <a:prstGeom prst="rect">
             <a:avLst/>
@@ -6797,7 +6830,7 @@
         <p:spPr>
           <a:xfrm>
             <a:off x="0" y="0"/>
-            <a:ext cx="9140040" cy="6841440"/>
+            <a:ext cx="9139680" cy="6841080"/>
           </a:xfrm>
           <a:prstGeom prst="rect">
             <a:avLst/>
@@ -6816,7 +6849,7 @@
         <p:spPr>
           <a:xfrm>
             <a:off x="4601880" y="203040"/>
-            <a:ext cx="2844360" cy="712440"/>
+            <a:ext cx="2844000" cy="712080"/>
           </a:xfrm>
           <a:prstGeom prst="rect">
             <a:avLst/>
@@ -6911,7 +6944,7 @@
         <p:spPr>
           <a:xfrm>
             <a:off x="0" y="0"/>
-            <a:ext cx="9140040" cy="6841440"/>
+            <a:ext cx="9139680" cy="6841080"/>
           </a:xfrm>
           <a:prstGeom prst="rect">
             <a:avLst/>
@@ -6964,7 +6997,7 @@
         <p:spPr>
           <a:xfrm>
             <a:off x="20880" y="727920"/>
-            <a:ext cx="9140400" cy="5418000"/>
+            <a:ext cx="9140040" cy="5417640"/>
           </a:xfrm>
           <a:prstGeom prst="rect">
             <a:avLst/>
@@ -7013,7 +7046,7 @@
         <p:spPr>
           <a:xfrm>
             <a:off x="72000" y="144000"/>
-            <a:ext cx="8998200" cy="4183920"/>
+            <a:ext cx="8997840" cy="4183560"/>
           </a:xfrm>
           <a:prstGeom prst="rect">
             <a:avLst/>
@@ -7374,7 +7407,7 @@
         <p:spPr>
           <a:xfrm>
             <a:off x="-90720" y="94680"/>
-            <a:ext cx="9087480" cy="6230160"/>
+            <a:ext cx="9087120" cy="6229800"/>
           </a:xfrm>
           <a:prstGeom prst="rect">
             <a:avLst/>
@@ -7555,7 +7588,7 @@
             </a:endParaRPr>
           </a:p>
           <a:p>
-            <a:pPr marL="216000" indent="-212760">
+            <a:pPr marL="216000" indent="-212400">
               <a:lnSpc>
                 <a:spcPct val="100000"/>
               </a:lnSpc>
@@ -7581,7 +7614,7 @@
             </a:endParaRPr>
           </a:p>
           <a:p>
-            <a:pPr marL="216000" indent="-212760">
+            <a:pPr marL="216000" indent="-212400">
               <a:lnSpc>
                 <a:spcPct val="100000"/>
               </a:lnSpc>
@@ -7607,7 +7640,7 @@
             </a:endParaRPr>
           </a:p>
           <a:p>
-            <a:pPr marL="216000" indent="-212760">
+            <a:pPr marL="216000" indent="-212400">
               <a:lnSpc>
                 <a:spcPct val="100000"/>
               </a:lnSpc>
@@ -7707,7 +7740,7 @@
         <p:spPr>
           <a:xfrm>
             <a:off x="0" y="0"/>
-            <a:ext cx="9140040" cy="6841440"/>
+            <a:ext cx="9139680" cy="6841080"/>
           </a:xfrm>
           <a:prstGeom prst="rect">
             <a:avLst/>
@@ -7726,7 +7759,7 @@
         <p:spPr>
           <a:xfrm>
             <a:off x="2393640" y="406440"/>
-            <a:ext cx="5025960" cy="712440"/>
+            <a:ext cx="5025600" cy="712080"/>
           </a:xfrm>
           <a:prstGeom prst="rect">
             <a:avLst/>
@@ -7787,7 +7820,7 @@
         <p:spPr>
           <a:xfrm>
             <a:off x="1398600" y="1384200"/>
-            <a:ext cx="7016040" cy="712440"/>
+            <a:ext cx="7015680" cy="712080"/>
           </a:xfrm>
           <a:prstGeom prst="rect">
             <a:avLst/>
@@ -7848,7 +7881,7 @@
         <p:spPr>
           <a:xfrm>
             <a:off x="3832920" y="1854360"/>
-            <a:ext cx="2147040" cy="712440"/>
+            <a:ext cx="2146680" cy="712080"/>
           </a:xfrm>
           <a:prstGeom prst="rect">
             <a:avLst/>
@@ -7919,7 +7952,7 @@
         <p:spPr>
           <a:xfrm>
             <a:off x="3689280" y="2349360"/>
-            <a:ext cx="2434320" cy="712440"/>
+            <a:ext cx="2433960" cy="712080"/>
           </a:xfrm>
           <a:prstGeom prst="rect">
             <a:avLst/>
@@ -7990,7 +8023,7 @@
         <p:spPr>
           <a:xfrm>
             <a:off x="3785760" y="2844720"/>
-            <a:ext cx="2241360" cy="712440"/>
+            <a:ext cx="2241000" cy="712080"/>
           </a:xfrm>
           <a:prstGeom prst="rect">
             <a:avLst/>
@@ -8061,7 +8094,7 @@
         <p:spPr>
           <a:xfrm>
             <a:off x="3617640" y="3340080"/>
-            <a:ext cx="2577600" cy="712440"/>
+            <a:ext cx="2577240" cy="712080"/>
           </a:xfrm>
           <a:prstGeom prst="rect">
             <a:avLst/>
@@ -8162,7 +8195,7 @@
         <p:spPr>
           <a:xfrm>
             <a:off x="145080" y="72000"/>
-            <a:ext cx="8996760" cy="6230160"/>
+            <a:ext cx="8996400" cy="6229800"/>
           </a:xfrm>
           <a:prstGeom prst="rect">
             <a:avLst/>
@@ -8517,7 +8550,7 @@
         <p:spPr>
           <a:xfrm>
             <a:off x="0" y="0"/>
-            <a:ext cx="9140040" cy="6841440"/>
+            <a:ext cx="9139680" cy="6841080"/>
           </a:xfrm>
           <a:prstGeom prst="rect">
             <a:avLst/>
@@ -8536,7 +8569,7 @@
         <p:spPr>
           <a:xfrm>
             <a:off x="4369680" y="254160"/>
-            <a:ext cx="832320" cy="712440"/>
+            <a:ext cx="831960" cy="712080"/>
           </a:xfrm>
           <a:prstGeom prst="rect">
             <a:avLst/>
@@ -8597,7 +8630,7 @@
         <p:spPr>
           <a:xfrm>
             <a:off x="636840" y="965160"/>
-            <a:ext cx="8298000" cy="1100880"/>
+            <a:ext cx="8297640" cy="1100520"/>
           </a:xfrm>
           <a:prstGeom prst="rect">
             <a:avLst/>
@@ -8698,7 +8731,7 @@
         <p:spPr>
           <a:xfrm>
             <a:off x="701280" y="2057400"/>
-            <a:ext cx="8168760" cy="1100880"/>
+            <a:ext cx="8168400" cy="1100520"/>
           </a:xfrm>
           <a:prstGeom prst="rect">
             <a:avLst/>
@@ -8789,7 +8822,7 @@
         <p:spPr>
           <a:xfrm>
             <a:off x="540360" y="3162240"/>
-            <a:ext cx="8490960" cy="1447200"/>
+            <a:ext cx="8490600" cy="1446840"/>
           </a:xfrm>
           <a:prstGeom prst="rect">
             <a:avLst/>
@@ -8944,7 +8977,7 @@
         <p:spPr>
           <a:xfrm>
             <a:off x="0" y="0"/>
-            <a:ext cx="9140040" cy="6841440"/>
+            <a:ext cx="9139680" cy="6841080"/>
           </a:xfrm>
           <a:prstGeom prst="rect">
             <a:avLst/>
@@ -8963,7 +8996,7 @@
         <p:spPr>
           <a:xfrm>
             <a:off x="3277800" y="431640"/>
-            <a:ext cx="2965320" cy="712440"/>
+            <a:ext cx="2964960" cy="712080"/>
           </a:xfrm>
           <a:prstGeom prst="rect">
             <a:avLst/>
@@ -9024,7 +9057,7 @@
         <p:spPr>
           <a:xfrm>
             <a:off x="505080" y="1155600"/>
-            <a:ext cx="8510760" cy="1447200"/>
+            <a:ext cx="8510400" cy="1446840"/>
           </a:xfrm>
           <a:prstGeom prst="rect">
             <a:avLst/>
@@ -9135,7 +9168,7 @@
         <p:spPr>
           <a:xfrm>
             <a:off x="885600" y="2247840"/>
-            <a:ext cx="7749360" cy="1469160"/>
+            <a:ext cx="7749000" cy="1468800"/>
           </a:xfrm>
           <a:prstGeom prst="rect">
             <a:avLst/>
@@ -9300,7 +9333,7 @@
         <p:spPr>
           <a:xfrm>
             <a:off x="-65160" y="4176000"/>
-            <a:ext cx="16264440" cy="1315080"/>
+            <a:ext cx="16264080" cy="1314720"/>
           </a:xfrm>
           <a:prstGeom prst="rect">
             <a:avLst/>
@@ -9353,7 +9386,7 @@
         <p:spPr>
           <a:xfrm>
             <a:off x="146160" y="68760"/>
-            <a:ext cx="9140040" cy="6841440"/>
+            <a:ext cx="9139680" cy="6841080"/>
           </a:xfrm>
           <a:prstGeom prst="rect">
             <a:avLst/>
@@ -9372,7 +9405,7 @@
         <p:spPr>
           <a:xfrm>
             <a:off x="835920" y="266760"/>
-            <a:ext cx="7785360" cy="1837440"/>
+            <a:ext cx="7785000" cy="1837080"/>
           </a:xfrm>
           <a:prstGeom prst="rect">
             <a:avLst/>
@@ -9523,7 +9556,7 @@
         <p:spPr>
           <a:xfrm>
             <a:off x="4127760" y="1943280"/>
-            <a:ext cx="1202040" cy="712440"/>
+            <a:ext cx="1201680" cy="712080"/>
           </a:xfrm>
           <a:prstGeom prst="rect">
             <a:avLst/>
@@ -9604,7 +9637,7 @@
         <p:spPr>
           <a:xfrm>
             <a:off x="3288600" y="2489040"/>
-            <a:ext cx="2880360" cy="712440"/>
+            <a:ext cx="2880000" cy="712080"/>
           </a:xfrm>
           <a:prstGeom prst="rect">
             <a:avLst/>
@@ -9685,7 +9718,7 @@
         <p:spPr>
           <a:xfrm>
             <a:off x="2131560" y="2857680"/>
-            <a:ext cx="5194080" cy="1634400"/>
+            <a:ext cx="5193720" cy="1634040"/>
           </a:xfrm>
           <a:prstGeom prst="rect">
             <a:avLst/>
@@ -9806,7 +9839,7 @@
         <p:spPr>
           <a:xfrm>
             <a:off x="3822840" y="4127400"/>
-            <a:ext cx="1811880" cy="712440"/>
+            <a:ext cx="1811520" cy="712080"/>
           </a:xfrm>
           <a:prstGeom prst="rect">
             <a:avLst/>
@@ -9877,7 +9910,7 @@
         <p:spPr>
           <a:xfrm>
             <a:off x="1174320" y="4686480"/>
-            <a:ext cx="7108920" cy="712440"/>
+            <a:ext cx="7108560" cy="712080"/>
           </a:xfrm>
           <a:prstGeom prst="rect">
             <a:avLst/>
@@ -9948,7 +9981,7 @@
         <p:spPr>
           <a:xfrm>
             <a:off x="916560" y="5626080"/>
-            <a:ext cx="7624440" cy="1100880"/>
+            <a:ext cx="7624080" cy="1100520"/>
           </a:xfrm>
           <a:prstGeom prst="rect">
             <a:avLst/>
@@ -10099,7 +10132,7 @@
         <p:spPr>
           <a:xfrm>
             <a:off x="585360" y="517320"/>
-            <a:ext cx="4019760" cy="343800"/>
+            <a:ext cx="4019400" cy="343440"/>
           </a:xfrm>
           <a:prstGeom prst="rect">
             <a:avLst/>
@@ -10154,7 +10187,7 @@
         <p:spPr>
           <a:xfrm>
             <a:off x="-69480" y="1440000"/>
-            <a:ext cx="9140760" cy="5020920"/>
+            <a:ext cx="9140400" cy="5020560"/>
           </a:xfrm>
           <a:prstGeom prst="rect">
             <a:avLst/>
@@ -10203,7 +10236,7 @@
         <p:spPr>
           <a:xfrm>
             <a:off x="204480" y="405720"/>
-            <a:ext cx="7713720" cy="2904480"/>
+            <a:ext cx="7713360" cy="2904120"/>
           </a:xfrm>
           <a:prstGeom prst="rect">
             <a:avLst/>
@@ -10484,7 +10517,7 @@
         <p:spPr>
           <a:xfrm>
             <a:off x="467640" y="72000"/>
-            <a:ext cx="8205120" cy="1458360"/>
+            <a:ext cx="8204760" cy="1458000"/>
           </a:xfrm>
           <a:prstGeom prst="rect">
             <a:avLst/>
@@ -10941,7 +10974,7 @@
         <p:spPr>
           <a:xfrm>
             <a:off x="1584000" y="-1152000"/>
-            <a:ext cx="7116120" cy="5326200"/>
+            <a:ext cx="7115760" cy="5325840"/>
           </a:xfrm>
           <a:prstGeom prst="rect">
             <a:avLst/>
@@ -10960,7 +10993,7 @@
         <p:spPr>
           <a:xfrm>
             <a:off x="2541960" y="648000"/>
-            <a:ext cx="2497680" cy="712440"/>
+            <a:ext cx="2497320" cy="712080"/>
           </a:xfrm>
           <a:prstGeom prst="rect">
             <a:avLst/>
@@ -11021,7 +11054,7 @@
         <p:spPr>
           <a:xfrm>
             <a:off x="204120" y="1008000"/>
-            <a:ext cx="8794080" cy="1817640"/>
+            <a:ext cx="8793720" cy="1817280"/>
           </a:xfrm>
           <a:prstGeom prst="rect">
             <a:avLst/>
@@ -11172,7 +11205,7 @@
         <p:spPr>
           <a:xfrm>
             <a:off x="944280" y="3301920"/>
-            <a:ext cx="7403400" cy="712440"/>
+            <a:ext cx="7403040" cy="712080"/>
           </a:xfrm>
           <a:prstGeom prst="rect">
             <a:avLst/>
@@ -11223,7 +11256,7 @@
         <p:spPr>
           <a:xfrm>
             <a:off x="189720" y="3657600"/>
-            <a:ext cx="9037800" cy="1813680"/>
+            <a:ext cx="9037440" cy="1813320"/>
           </a:xfrm>
           <a:prstGeom prst="rect">
             <a:avLst/>
@@ -11354,7 +11387,7 @@
         <p:spPr>
           <a:xfrm>
             <a:off x="144000" y="4801320"/>
-            <a:ext cx="8329320" cy="1100880"/>
+            <a:ext cx="8328960" cy="1100520"/>
           </a:xfrm>
           <a:prstGeom prst="rect">
             <a:avLst/>
@@ -11525,7 +11558,7 @@
         <p:spPr>
           <a:xfrm>
             <a:off x="72000" y="6125760"/>
-            <a:ext cx="8902080" cy="856440"/>
+            <a:ext cx="8901720" cy="856080"/>
           </a:xfrm>
           <a:prstGeom prst="rect">
             <a:avLst/>
@@ -11610,7 +11643,7 @@
         <p:spPr>
           <a:xfrm>
             <a:off x="0" y="-76320"/>
-            <a:ext cx="9140040" cy="6841440"/>
+            <a:ext cx="9139680" cy="6841080"/>
           </a:xfrm>
           <a:prstGeom prst="rect">
             <a:avLst/>
@@ -11629,7 +11662,7 @@
         <p:spPr>
           <a:xfrm>
             <a:off x="595080" y="266760"/>
-            <a:ext cx="8008920" cy="910800"/>
+            <a:ext cx="8008560" cy="910440"/>
           </a:xfrm>
           <a:prstGeom prst="rect">
             <a:avLst/>
@@ -11780,7 +11813,7 @@
         <p:spPr>
           <a:xfrm>
             <a:off x="612360" y="876240"/>
-            <a:ext cx="8118360" cy="1215720"/>
+            <a:ext cx="8118000" cy="1215360"/>
           </a:xfrm>
           <a:prstGeom prst="rect">
             <a:avLst/>
@@ -12101,7 +12134,7 @@
         <p:spPr>
           <a:xfrm>
             <a:off x="780120" y="1790640"/>
-            <a:ext cx="7782480" cy="1215720"/>
+            <a:ext cx="7782120" cy="1215360"/>
           </a:xfrm>
           <a:prstGeom prst="rect">
             <a:avLst/>
@@ -12223,7 +12256,7 @@
         <p:spPr>
           <a:xfrm>
             <a:off x="555120" y="2705040"/>
-            <a:ext cx="8232840" cy="3350160"/>
+            <a:ext cx="8232480" cy="3349800"/>
           </a:xfrm>
           <a:prstGeom prst="rect">
             <a:avLst/>
@@ -12407,7 +12440,7 @@
                 <a:latin typeface="Arial"/>
                 <a:ea typeface="DejaVu Sans"/>
               </a:rPr>
-              <a:t>Each of these classes live in a separate subdirectory under drivers/. You will, for</a:t>
+              <a:t>Each of these classes live in a separate sub directory under drivers/. You will, for</a:t>
             </a:r>
             <a:endParaRPr b="0" lang="en-IN" sz="1860" spc="-1" strike="noStrike">
               <a:latin typeface="Arial"/>
@@ -12504,7 +12537,7 @@
         <p:spPr>
           <a:xfrm>
             <a:off x="288000" y="187560"/>
-            <a:ext cx="7921080" cy="1825560"/>
+            <a:ext cx="7920720" cy="1825200"/>
           </a:xfrm>
           <a:prstGeom prst="rect">
             <a:avLst/>
@@ -12568,7 +12601,7 @@
                 <a:latin typeface="Arial"/>
                 <a:ea typeface="DejaVu Sans"/>
               </a:rPr>
-              <a:t>EXT4, reiserfs, FAT, VFAT, sysfs, procfs, isofs, JFFS2, XFS, NTFS, and N</a:t>
+              <a:t>EXT4, reiserfs, FAT, VFAT, sysfs, procfs, isofs, JFFS2, XFS, NTFS, </a:t>
             </a:r>
             <a:endParaRPr b="0" lang="en-IN" sz="1860" spc="-1" strike="noStrike">
               <a:latin typeface="Arial"/>
@@ -12775,7 +12808,7 @@
         <p:spPr>
           <a:xfrm>
             <a:off x="288000" y="1924200"/>
-            <a:ext cx="4115520" cy="592920"/>
+            <a:ext cx="4115160" cy="592560"/>
           </a:xfrm>
           <a:prstGeom prst="rect">
             <a:avLst/>
@@ -12836,7 +12869,7 @@
         <p:spPr>
           <a:xfrm>
             <a:off x="528120" y="2083680"/>
-            <a:ext cx="7027560" cy="592920"/>
+            <a:ext cx="7027200" cy="592560"/>
           </a:xfrm>
           <a:prstGeom prst="rect">
             <a:avLst/>
@@ -12947,7 +12980,7 @@
         <p:spPr>
           <a:xfrm>
             <a:off x="288000" y="2480040"/>
-            <a:ext cx="8067600" cy="3350160"/>
+            <a:ext cx="8067240" cy="3349800"/>
           </a:xfrm>
           <a:prstGeom prst="rect">
             <a:avLst/>
@@ -13258,7 +13291,7 @@
         <p:spPr>
           <a:xfrm>
             <a:off x="367560" y="5640480"/>
-            <a:ext cx="6326640" cy="1215720"/>
+            <a:ext cx="6326280" cy="1215360"/>
           </a:xfrm>
           <a:prstGeom prst="rect">
             <a:avLst/>
@@ -13469,7 +13502,7 @@
         <p:spPr>
           <a:xfrm>
             <a:off x="432000" y="360000"/>
-            <a:ext cx="8277120" cy="1879200"/>
+            <a:ext cx="8276760" cy="1878840"/>
           </a:xfrm>
           <a:prstGeom prst="rect">
             <a:avLst/>
@@ -13674,7 +13707,7 @@
         <p:spPr>
           <a:xfrm>
             <a:off x="0" y="0"/>
-            <a:ext cx="9140040" cy="6841440"/>
+            <a:ext cx="9139680" cy="6841080"/>
           </a:xfrm>
           <a:prstGeom prst="rect">
             <a:avLst/>
@@ -13693,7 +13726,7 @@
         <p:spPr>
           <a:xfrm>
             <a:off x="3343320" y="177840"/>
-            <a:ext cx="2808720" cy="712440"/>
+            <a:ext cx="2808360" cy="712080"/>
           </a:xfrm>
           <a:prstGeom prst="rect">
             <a:avLst/>
@@ -13754,7 +13787,7 @@
         <p:spPr>
           <a:xfrm>
             <a:off x="604080" y="546120"/>
-            <a:ext cx="8287200" cy="1482120"/>
+            <a:ext cx="8286840" cy="1481760"/>
           </a:xfrm>
           <a:prstGeom prst="rect">
             <a:avLst/>
@@ -13845,7 +13878,7 @@
         <p:spPr>
           <a:xfrm>
             <a:off x="1131480" y="1523880"/>
-            <a:ext cx="7232400" cy="1482120"/>
+            <a:ext cx="7232040" cy="1481760"/>
           </a:xfrm>
           <a:prstGeom prst="rect">
             <a:avLst/>
@@ -13936,7 +13969,7 @@
         <p:spPr>
           <a:xfrm>
             <a:off x="251640" y="2514600"/>
-            <a:ext cx="8709120" cy="4066200"/>
+            <a:ext cx="8708760" cy="4065840"/>
           </a:xfrm>
           <a:prstGeom prst="rect">
             <a:avLst/>
@@ -14207,7 +14240,7 @@
         <p:spPr>
           <a:xfrm>
             <a:off x="1727280" y="3479760"/>
-            <a:ext cx="95760" cy="504000"/>
+            <a:ext cx="95400" cy="503640"/>
           </a:xfrm>
           <a:prstGeom prst="rect">
             <a:avLst/>
@@ -14258,7 +14291,7 @@
         <p:spPr>
           <a:xfrm>
             <a:off x="32040" y="4508280"/>
-            <a:ext cx="360" cy="713160"/>
+            <a:ext cx="360" cy="712800"/>
           </a:xfrm>
           <a:prstGeom prst="rect">
             <a:avLst/>
